--- a/document/Paper 2.pptx
+++ b/document/Paper 2.pptx
@@ -377,7 +377,7 @@
           <a:p>
             <a:fld id="{AE1BCA8D-12F4-B344-AFBF-049813060054}" type="datetimeFigureOut">
               <a:rPr lang="en-US" smtClean="0"/>
-              <a:t>10/31/19</a:t>
+              <a:t>11/1/2019</a:t>
             </a:fld>
             <a:endParaRPr lang="en-US"/>
           </a:p>
@@ -2411,7 +2411,7 @@
           <p:cNvPr id="2" name="标题 1">
             <a:extLst>
               <a:ext uri="{FF2B5EF4-FFF2-40B4-BE49-F238E27FC236}">
-                <a16:creationId xmlns:a16="http://schemas.microsoft.com/office/drawing/2014/main" id="{C550ADB8-0D7D-4817-8627-8EBCC8722E15}"/>
+                <a16:creationId xmlns:a16="http://schemas.microsoft.com/office/drawing/2014/main" xmlns="" id="{C550ADB8-0D7D-4817-8627-8EBCC8722E15}"/>
               </a:ext>
             </a:extLst>
           </p:cNvPr>
@@ -2448,7 +2448,7 @@
           <p:cNvPr id="3" name="副标题 2">
             <a:extLst>
               <a:ext uri="{FF2B5EF4-FFF2-40B4-BE49-F238E27FC236}">
-                <a16:creationId xmlns:a16="http://schemas.microsoft.com/office/drawing/2014/main" id="{F057F29B-6C33-40F1-96B9-367935B5A4F9}"/>
+                <a16:creationId xmlns:a16="http://schemas.microsoft.com/office/drawing/2014/main" xmlns="" id="{F057F29B-6C33-40F1-96B9-367935B5A4F9}"/>
               </a:ext>
             </a:extLst>
           </p:cNvPr>
@@ -2518,7 +2518,7 @@
           <p:cNvPr id="4" name="日期占位符 3">
             <a:extLst>
               <a:ext uri="{FF2B5EF4-FFF2-40B4-BE49-F238E27FC236}">
-                <a16:creationId xmlns:a16="http://schemas.microsoft.com/office/drawing/2014/main" id="{5BAE700F-0395-4293-9C50-034AA48101A9}"/>
+                <a16:creationId xmlns:a16="http://schemas.microsoft.com/office/drawing/2014/main" xmlns="" id="{5BAE700F-0395-4293-9C50-034AA48101A9}"/>
               </a:ext>
             </a:extLst>
           </p:cNvPr>
@@ -2536,7 +2536,7 @@
           <a:p>
             <a:fld id="{A7779E94-F9CB-4A97-B0F4-FAE2783C5C59}" type="datetimeFigureOut">
               <a:rPr lang="zh-CN" altLang="en-US" smtClean="0"/>
-              <a:t>2019/10/31</a:t>
+              <a:t>2019/11/1</a:t>
             </a:fld>
             <a:endParaRPr lang="zh-CN" altLang="en-US"/>
           </a:p>
@@ -2547,7 +2547,7 @@
           <p:cNvPr id="5" name="页脚占位符 4">
             <a:extLst>
               <a:ext uri="{FF2B5EF4-FFF2-40B4-BE49-F238E27FC236}">
-                <a16:creationId xmlns:a16="http://schemas.microsoft.com/office/drawing/2014/main" id="{37440273-779F-4906-982E-071AB1C8FF60}"/>
+                <a16:creationId xmlns:a16="http://schemas.microsoft.com/office/drawing/2014/main" xmlns="" id="{37440273-779F-4906-982E-071AB1C8FF60}"/>
               </a:ext>
             </a:extLst>
           </p:cNvPr>
@@ -2572,7 +2572,7 @@
           <p:cNvPr id="6" name="灯片编号占位符 5">
             <a:extLst>
               <a:ext uri="{FF2B5EF4-FFF2-40B4-BE49-F238E27FC236}">
-                <a16:creationId xmlns:a16="http://schemas.microsoft.com/office/drawing/2014/main" id="{64A26A22-A488-4089-BF4A-984E21312D4F}"/>
+                <a16:creationId xmlns:a16="http://schemas.microsoft.com/office/drawing/2014/main" xmlns="" id="{64A26A22-A488-4089-BF4A-984E21312D4F}"/>
               </a:ext>
             </a:extLst>
           </p:cNvPr>
@@ -2631,7 +2631,7 @@
           <p:cNvPr id="2" name="标题 1">
             <a:extLst>
               <a:ext uri="{FF2B5EF4-FFF2-40B4-BE49-F238E27FC236}">
-                <a16:creationId xmlns:a16="http://schemas.microsoft.com/office/drawing/2014/main" id="{238E998D-4549-476D-BAEE-C721B05C13EC}"/>
+                <a16:creationId xmlns:a16="http://schemas.microsoft.com/office/drawing/2014/main" xmlns="" id="{238E998D-4549-476D-BAEE-C721B05C13EC}"/>
               </a:ext>
             </a:extLst>
           </p:cNvPr>
@@ -2659,7 +2659,7 @@
           <p:cNvPr id="3" name="竖排文字占位符 2">
             <a:extLst>
               <a:ext uri="{FF2B5EF4-FFF2-40B4-BE49-F238E27FC236}">
-                <a16:creationId xmlns:a16="http://schemas.microsoft.com/office/drawing/2014/main" id="{AC2F2130-F905-4C37-9649-034A27441145}"/>
+                <a16:creationId xmlns:a16="http://schemas.microsoft.com/office/drawing/2014/main" xmlns="" id="{AC2F2130-F905-4C37-9649-034A27441145}"/>
               </a:ext>
             </a:extLst>
           </p:cNvPr>
@@ -2716,7 +2716,7 @@
           <p:cNvPr id="4" name="日期占位符 3">
             <a:extLst>
               <a:ext uri="{FF2B5EF4-FFF2-40B4-BE49-F238E27FC236}">
-                <a16:creationId xmlns:a16="http://schemas.microsoft.com/office/drawing/2014/main" id="{C3E666F3-331A-463E-A140-4B91F8B4C782}"/>
+                <a16:creationId xmlns:a16="http://schemas.microsoft.com/office/drawing/2014/main" xmlns="" id="{C3E666F3-331A-463E-A140-4B91F8B4C782}"/>
               </a:ext>
             </a:extLst>
           </p:cNvPr>
@@ -2734,7 +2734,7 @@
           <a:p>
             <a:fld id="{A7779E94-F9CB-4A97-B0F4-FAE2783C5C59}" type="datetimeFigureOut">
               <a:rPr lang="zh-CN" altLang="en-US" smtClean="0"/>
-              <a:t>2019/10/31</a:t>
+              <a:t>2019/11/1</a:t>
             </a:fld>
             <a:endParaRPr lang="zh-CN" altLang="en-US"/>
           </a:p>
@@ -2745,7 +2745,7 @@
           <p:cNvPr id="5" name="页脚占位符 4">
             <a:extLst>
               <a:ext uri="{FF2B5EF4-FFF2-40B4-BE49-F238E27FC236}">
-                <a16:creationId xmlns:a16="http://schemas.microsoft.com/office/drawing/2014/main" id="{F2CE6A54-A613-4E88-98DA-145E60AABFCB}"/>
+                <a16:creationId xmlns:a16="http://schemas.microsoft.com/office/drawing/2014/main" xmlns="" id="{F2CE6A54-A613-4E88-98DA-145E60AABFCB}"/>
               </a:ext>
             </a:extLst>
           </p:cNvPr>
@@ -2770,7 +2770,7 @@
           <p:cNvPr id="6" name="灯片编号占位符 5">
             <a:extLst>
               <a:ext uri="{FF2B5EF4-FFF2-40B4-BE49-F238E27FC236}">
-                <a16:creationId xmlns:a16="http://schemas.microsoft.com/office/drawing/2014/main" id="{60FF38DA-039B-44F4-AD46-03CCB59D8725}"/>
+                <a16:creationId xmlns:a16="http://schemas.microsoft.com/office/drawing/2014/main" xmlns="" id="{60FF38DA-039B-44F4-AD46-03CCB59D8725}"/>
               </a:ext>
             </a:extLst>
           </p:cNvPr>
@@ -2829,7 +2829,7 @@
           <p:cNvPr id="2" name="竖排标题 1">
             <a:extLst>
               <a:ext uri="{FF2B5EF4-FFF2-40B4-BE49-F238E27FC236}">
-                <a16:creationId xmlns:a16="http://schemas.microsoft.com/office/drawing/2014/main" id="{4E6FCE14-4088-4663-A222-E2857C285918}"/>
+                <a16:creationId xmlns:a16="http://schemas.microsoft.com/office/drawing/2014/main" xmlns="" id="{4E6FCE14-4088-4663-A222-E2857C285918}"/>
               </a:ext>
             </a:extLst>
           </p:cNvPr>
@@ -2862,7 +2862,7 @@
           <p:cNvPr id="3" name="竖排文字占位符 2">
             <a:extLst>
               <a:ext uri="{FF2B5EF4-FFF2-40B4-BE49-F238E27FC236}">
-                <a16:creationId xmlns:a16="http://schemas.microsoft.com/office/drawing/2014/main" id="{95D37E0A-7F34-4271-98E1-93097F3226DF}"/>
+                <a16:creationId xmlns:a16="http://schemas.microsoft.com/office/drawing/2014/main" xmlns="" id="{95D37E0A-7F34-4271-98E1-93097F3226DF}"/>
               </a:ext>
             </a:extLst>
           </p:cNvPr>
@@ -2924,7 +2924,7 @@
           <p:cNvPr id="4" name="日期占位符 3">
             <a:extLst>
               <a:ext uri="{FF2B5EF4-FFF2-40B4-BE49-F238E27FC236}">
-                <a16:creationId xmlns:a16="http://schemas.microsoft.com/office/drawing/2014/main" id="{D619795F-2379-4844-A2AE-B3A6928BF0AE}"/>
+                <a16:creationId xmlns:a16="http://schemas.microsoft.com/office/drawing/2014/main" xmlns="" id="{D619795F-2379-4844-A2AE-B3A6928BF0AE}"/>
               </a:ext>
             </a:extLst>
           </p:cNvPr>
@@ -2942,7 +2942,7 @@
           <a:p>
             <a:fld id="{A7779E94-F9CB-4A97-B0F4-FAE2783C5C59}" type="datetimeFigureOut">
               <a:rPr lang="zh-CN" altLang="en-US" smtClean="0"/>
-              <a:t>2019/10/31</a:t>
+              <a:t>2019/11/1</a:t>
             </a:fld>
             <a:endParaRPr lang="zh-CN" altLang="en-US"/>
           </a:p>
@@ -2953,7 +2953,7 @@
           <p:cNvPr id="5" name="页脚占位符 4">
             <a:extLst>
               <a:ext uri="{FF2B5EF4-FFF2-40B4-BE49-F238E27FC236}">
-                <a16:creationId xmlns:a16="http://schemas.microsoft.com/office/drawing/2014/main" id="{D0904BB1-7937-42A0-8A60-0C6AFE1FBBC2}"/>
+                <a16:creationId xmlns:a16="http://schemas.microsoft.com/office/drawing/2014/main" xmlns="" id="{D0904BB1-7937-42A0-8A60-0C6AFE1FBBC2}"/>
               </a:ext>
             </a:extLst>
           </p:cNvPr>
@@ -2978,7 +2978,7 @@
           <p:cNvPr id="6" name="灯片编号占位符 5">
             <a:extLst>
               <a:ext uri="{FF2B5EF4-FFF2-40B4-BE49-F238E27FC236}">
-                <a16:creationId xmlns:a16="http://schemas.microsoft.com/office/drawing/2014/main" id="{48C5F33D-67CC-49BD-975E-4C69A57F49C5}"/>
+                <a16:creationId xmlns:a16="http://schemas.microsoft.com/office/drawing/2014/main" xmlns="" id="{48C5F33D-67CC-49BD-975E-4C69A57F49C5}"/>
               </a:ext>
             </a:extLst>
           </p:cNvPr>
@@ -3037,7 +3037,7 @@
           <p:cNvPr id="2" name="标题 1">
             <a:extLst>
               <a:ext uri="{FF2B5EF4-FFF2-40B4-BE49-F238E27FC236}">
-                <a16:creationId xmlns:a16="http://schemas.microsoft.com/office/drawing/2014/main" id="{993DC445-01C1-4690-AC9F-CC75A1847988}"/>
+                <a16:creationId xmlns:a16="http://schemas.microsoft.com/office/drawing/2014/main" xmlns="" id="{993DC445-01C1-4690-AC9F-CC75A1847988}"/>
               </a:ext>
             </a:extLst>
           </p:cNvPr>
@@ -3065,7 +3065,7 @@
           <p:cNvPr id="3" name="内容占位符 2">
             <a:extLst>
               <a:ext uri="{FF2B5EF4-FFF2-40B4-BE49-F238E27FC236}">
-                <a16:creationId xmlns:a16="http://schemas.microsoft.com/office/drawing/2014/main" id="{C2899C85-96B7-4BF5-8C60-C8AEE2DE5724}"/>
+                <a16:creationId xmlns:a16="http://schemas.microsoft.com/office/drawing/2014/main" xmlns="" id="{C2899C85-96B7-4BF5-8C60-C8AEE2DE5724}"/>
               </a:ext>
             </a:extLst>
           </p:cNvPr>
@@ -3122,7 +3122,7 @@
           <p:cNvPr id="4" name="日期占位符 3">
             <a:extLst>
               <a:ext uri="{FF2B5EF4-FFF2-40B4-BE49-F238E27FC236}">
-                <a16:creationId xmlns:a16="http://schemas.microsoft.com/office/drawing/2014/main" id="{98D2D6AD-9E0D-44E7-BB65-DFEA0FE96E88}"/>
+                <a16:creationId xmlns:a16="http://schemas.microsoft.com/office/drawing/2014/main" xmlns="" id="{98D2D6AD-9E0D-44E7-BB65-DFEA0FE96E88}"/>
               </a:ext>
             </a:extLst>
           </p:cNvPr>
@@ -3140,7 +3140,7 @@
           <a:p>
             <a:fld id="{A7779E94-F9CB-4A97-B0F4-FAE2783C5C59}" type="datetimeFigureOut">
               <a:rPr lang="zh-CN" altLang="en-US" smtClean="0"/>
-              <a:t>2019/10/31</a:t>
+              <a:t>2019/11/1</a:t>
             </a:fld>
             <a:endParaRPr lang="zh-CN" altLang="en-US"/>
           </a:p>
@@ -3151,7 +3151,7 @@
           <p:cNvPr id="5" name="页脚占位符 4">
             <a:extLst>
               <a:ext uri="{FF2B5EF4-FFF2-40B4-BE49-F238E27FC236}">
-                <a16:creationId xmlns:a16="http://schemas.microsoft.com/office/drawing/2014/main" id="{E0CBE6B3-EDB0-4D0B-9866-2D204D690826}"/>
+                <a16:creationId xmlns:a16="http://schemas.microsoft.com/office/drawing/2014/main" xmlns="" id="{E0CBE6B3-EDB0-4D0B-9866-2D204D690826}"/>
               </a:ext>
             </a:extLst>
           </p:cNvPr>
@@ -3176,7 +3176,7 @@
           <p:cNvPr id="6" name="灯片编号占位符 5">
             <a:extLst>
               <a:ext uri="{FF2B5EF4-FFF2-40B4-BE49-F238E27FC236}">
-                <a16:creationId xmlns:a16="http://schemas.microsoft.com/office/drawing/2014/main" id="{B44E569F-C065-4F67-AAC1-462C678962F2}"/>
+                <a16:creationId xmlns:a16="http://schemas.microsoft.com/office/drawing/2014/main" xmlns="" id="{B44E569F-C065-4F67-AAC1-462C678962F2}"/>
               </a:ext>
             </a:extLst>
           </p:cNvPr>
@@ -3235,7 +3235,7 @@
           <p:cNvPr id="2" name="标题 1">
             <a:extLst>
               <a:ext uri="{FF2B5EF4-FFF2-40B4-BE49-F238E27FC236}">
-                <a16:creationId xmlns:a16="http://schemas.microsoft.com/office/drawing/2014/main" id="{AA8438CE-38E0-4C4E-8109-DBD9837C5D74}"/>
+                <a16:creationId xmlns:a16="http://schemas.microsoft.com/office/drawing/2014/main" xmlns="" id="{AA8438CE-38E0-4C4E-8109-DBD9837C5D74}"/>
               </a:ext>
             </a:extLst>
           </p:cNvPr>
@@ -3272,7 +3272,7 @@
           <p:cNvPr id="3" name="文本占位符 2">
             <a:extLst>
               <a:ext uri="{FF2B5EF4-FFF2-40B4-BE49-F238E27FC236}">
-                <a16:creationId xmlns:a16="http://schemas.microsoft.com/office/drawing/2014/main" id="{5D677BD7-7564-48AB-89E3-04F28A322F9C}"/>
+                <a16:creationId xmlns:a16="http://schemas.microsoft.com/office/drawing/2014/main" xmlns="" id="{5D677BD7-7564-48AB-89E3-04F28A322F9C}"/>
               </a:ext>
             </a:extLst>
           </p:cNvPr>
@@ -3397,7 +3397,7 @@
           <p:cNvPr id="4" name="日期占位符 3">
             <a:extLst>
               <a:ext uri="{FF2B5EF4-FFF2-40B4-BE49-F238E27FC236}">
-                <a16:creationId xmlns:a16="http://schemas.microsoft.com/office/drawing/2014/main" id="{D6D300DD-4A7E-40FB-A96E-E633B96A5A17}"/>
+                <a16:creationId xmlns:a16="http://schemas.microsoft.com/office/drawing/2014/main" xmlns="" id="{D6D300DD-4A7E-40FB-A96E-E633B96A5A17}"/>
               </a:ext>
             </a:extLst>
           </p:cNvPr>
@@ -3415,7 +3415,7 @@
           <a:p>
             <a:fld id="{A7779E94-F9CB-4A97-B0F4-FAE2783C5C59}" type="datetimeFigureOut">
               <a:rPr lang="zh-CN" altLang="en-US" smtClean="0"/>
-              <a:t>2019/10/31</a:t>
+              <a:t>2019/11/1</a:t>
             </a:fld>
             <a:endParaRPr lang="zh-CN" altLang="en-US"/>
           </a:p>
@@ -3426,7 +3426,7 @@
           <p:cNvPr id="5" name="页脚占位符 4">
             <a:extLst>
               <a:ext uri="{FF2B5EF4-FFF2-40B4-BE49-F238E27FC236}">
-                <a16:creationId xmlns:a16="http://schemas.microsoft.com/office/drawing/2014/main" id="{721C2CF5-6D7B-41C5-B546-DE7FED9CC3D7}"/>
+                <a16:creationId xmlns:a16="http://schemas.microsoft.com/office/drawing/2014/main" xmlns="" id="{721C2CF5-6D7B-41C5-B546-DE7FED9CC3D7}"/>
               </a:ext>
             </a:extLst>
           </p:cNvPr>
@@ -3451,7 +3451,7 @@
           <p:cNvPr id="6" name="灯片编号占位符 5">
             <a:extLst>
               <a:ext uri="{FF2B5EF4-FFF2-40B4-BE49-F238E27FC236}">
-                <a16:creationId xmlns:a16="http://schemas.microsoft.com/office/drawing/2014/main" id="{58B129EB-5338-4951-A64E-2C2B60B49D93}"/>
+                <a16:creationId xmlns:a16="http://schemas.microsoft.com/office/drawing/2014/main" xmlns="" id="{58B129EB-5338-4951-A64E-2C2B60B49D93}"/>
               </a:ext>
             </a:extLst>
           </p:cNvPr>
@@ -3510,7 +3510,7 @@
           <p:cNvPr id="2" name="标题 1">
             <a:extLst>
               <a:ext uri="{FF2B5EF4-FFF2-40B4-BE49-F238E27FC236}">
-                <a16:creationId xmlns:a16="http://schemas.microsoft.com/office/drawing/2014/main" id="{BF166473-EAE8-45D2-8CD3-F1BAA7477EFA}"/>
+                <a16:creationId xmlns:a16="http://schemas.microsoft.com/office/drawing/2014/main" xmlns="" id="{BF166473-EAE8-45D2-8CD3-F1BAA7477EFA}"/>
               </a:ext>
             </a:extLst>
           </p:cNvPr>
@@ -3538,7 +3538,7 @@
           <p:cNvPr id="3" name="内容占位符 2">
             <a:extLst>
               <a:ext uri="{FF2B5EF4-FFF2-40B4-BE49-F238E27FC236}">
-                <a16:creationId xmlns:a16="http://schemas.microsoft.com/office/drawing/2014/main" id="{6317A4CA-6C0E-4078-8519-7E8E609A37D1}"/>
+                <a16:creationId xmlns:a16="http://schemas.microsoft.com/office/drawing/2014/main" xmlns="" id="{6317A4CA-6C0E-4078-8519-7E8E609A37D1}"/>
               </a:ext>
             </a:extLst>
           </p:cNvPr>
@@ -3600,7 +3600,7 @@
           <p:cNvPr id="4" name="内容占位符 3">
             <a:extLst>
               <a:ext uri="{FF2B5EF4-FFF2-40B4-BE49-F238E27FC236}">
-                <a16:creationId xmlns:a16="http://schemas.microsoft.com/office/drawing/2014/main" id="{0C04CCB7-A6BA-490A-8276-4B47C80E621B}"/>
+                <a16:creationId xmlns:a16="http://schemas.microsoft.com/office/drawing/2014/main" xmlns="" id="{0C04CCB7-A6BA-490A-8276-4B47C80E621B}"/>
               </a:ext>
             </a:extLst>
           </p:cNvPr>
@@ -3662,7 +3662,7 @@
           <p:cNvPr id="5" name="日期占位符 4">
             <a:extLst>
               <a:ext uri="{FF2B5EF4-FFF2-40B4-BE49-F238E27FC236}">
-                <a16:creationId xmlns:a16="http://schemas.microsoft.com/office/drawing/2014/main" id="{F522C7AE-CD91-4982-B98B-F707D6D56CE4}"/>
+                <a16:creationId xmlns:a16="http://schemas.microsoft.com/office/drawing/2014/main" xmlns="" id="{F522C7AE-CD91-4982-B98B-F707D6D56CE4}"/>
               </a:ext>
             </a:extLst>
           </p:cNvPr>
@@ -3680,7 +3680,7 @@
           <a:p>
             <a:fld id="{A7779E94-F9CB-4A97-B0F4-FAE2783C5C59}" type="datetimeFigureOut">
               <a:rPr lang="zh-CN" altLang="en-US" smtClean="0"/>
-              <a:t>2019/10/31</a:t>
+              <a:t>2019/11/1</a:t>
             </a:fld>
             <a:endParaRPr lang="zh-CN" altLang="en-US"/>
           </a:p>
@@ -3691,7 +3691,7 @@
           <p:cNvPr id="6" name="页脚占位符 5">
             <a:extLst>
               <a:ext uri="{FF2B5EF4-FFF2-40B4-BE49-F238E27FC236}">
-                <a16:creationId xmlns:a16="http://schemas.microsoft.com/office/drawing/2014/main" id="{31505D69-719C-403B-B8EE-F33C82E75DB4}"/>
+                <a16:creationId xmlns:a16="http://schemas.microsoft.com/office/drawing/2014/main" xmlns="" id="{31505D69-719C-403B-B8EE-F33C82E75DB4}"/>
               </a:ext>
             </a:extLst>
           </p:cNvPr>
@@ -3716,7 +3716,7 @@
           <p:cNvPr id="7" name="灯片编号占位符 6">
             <a:extLst>
               <a:ext uri="{FF2B5EF4-FFF2-40B4-BE49-F238E27FC236}">
-                <a16:creationId xmlns:a16="http://schemas.microsoft.com/office/drawing/2014/main" id="{0DD8C152-D641-4EB1-813C-5321793D6FA0}"/>
+                <a16:creationId xmlns:a16="http://schemas.microsoft.com/office/drawing/2014/main" xmlns="" id="{0DD8C152-D641-4EB1-813C-5321793D6FA0}"/>
               </a:ext>
             </a:extLst>
           </p:cNvPr>
@@ -3775,7 +3775,7 @@
           <p:cNvPr id="2" name="标题 1">
             <a:extLst>
               <a:ext uri="{FF2B5EF4-FFF2-40B4-BE49-F238E27FC236}">
-                <a16:creationId xmlns:a16="http://schemas.microsoft.com/office/drawing/2014/main" id="{4E90F9B8-7B16-4E1F-A795-B5B0D3611BCC}"/>
+                <a16:creationId xmlns:a16="http://schemas.microsoft.com/office/drawing/2014/main" xmlns="" id="{4E90F9B8-7B16-4E1F-A795-B5B0D3611BCC}"/>
               </a:ext>
             </a:extLst>
           </p:cNvPr>
@@ -3808,7 +3808,7 @@
           <p:cNvPr id="3" name="文本占位符 2">
             <a:extLst>
               <a:ext uri="{FF2B5EF4-FFF2-40B4-BE49-F238E27FC236}">
-                <a16:creationId xmlns:a16="http://schemas.microsoft.com/office/drawing/2014/main" id="{98C34DCD-CD06-45EE-844B-EAE883E83D85}"/>
+                <a16:creationId xmlns:a16="http://schemas.microsoft.com/office/drawing/2014/main" xmlns="" id="{98C34DCD-CD06-45EE-844B-EAE883E83D85}"/>
               </a:ext>
             </a:extLst>
           </p:cNvPr>
@@ -3879,7 +3879,7 @@
           <p:cNvPr id="4" name="内容占位符 3">
             <a:extLst>
               <a:ext uri="{FF2B5EF4-FFF2-40B4-BE49-F238E27FC236}">
-                <a16:creationId xmlns:a16="http://schemas.microsoft.com/office/drawing/2014/main" id="{442CC020-E299-45C7-B56F-3015AAF379CE}"/>
+                <a16:creationId xmlns:a16="http://schemas.microsoft.com/office/drawing/2014/main" xmlns="" id="{442CC020-E299-45C7-B56F-3015AAF379CE}"/>
               </a:ext>
             </a:extLst>
           </p:cNvPr>
@@ -3941,7 +3941,7 @@
           <p:cNvPr id="5" name="文本占位符 4">
             <a:extLst>
               <a:ext uri="{FF2B5EF4-FFF2-40B4-BE49-F238E27FC236}">
-                <a16:creationId xmlns:a16="http://schemas.microsoft.com/office/drawing/2014/main" id="{935581F7-F97D-43A3-8A80-84570BA7AE97}"/>
+                <a16:creationId xmlns:a16="http://schemas.microsoft.com/office/drawing/2014/main" xmlns="" id="{935581F7-F97D-43A3-8A80-84570BA7AE97}"/>
               </a:ext>
             </a:extLst>
           </p:cNvPr>
@@ -4012,7 +4012,7 @@
           <p:cNvPr id="6" name="内容占位符 5">
             <a:extLst>
               <a:ext uri="{FF2B5EF4-FFF2-40B4-BE49-F238E27FC236}">
-                <a16:creationId xmlns:a16="http://schemas.microsoft.com/office/drawing/2014/main" id="{763649E3-86B4-42D8-943B-285590DBA5FC}"/>
+                <a16:creationId xmlns:a16="http://schemas.microsoft.com/office/drawing/2014/main" xmlns="" id="{763649E3-86B4-42D8-943B-285590DBA5FC}"/>
               </a:ext>
             </a:extLst>
           </p:cNvPr>
@@ -4074,7 +4074,7 @@
           <p:cNvPr id="7" name="日期占位符 6">
             <a:extLst>
               <a:ext uri="{FF2B5EF4-FFF2-40B4-BE49-F238E27FC236}">
-                <a16:creationId xmlns:a16="http://schemas.microsoft.com/office/drawing/2014/main" id="{6CFE916D-5C62-4A1D-B043-8FDD4D52D550}"/>
+                <a16:creationId xmlns:a16="http://schemas.microsoft.com/office/drawing/2014/main" xmlns="" id="{6CFE916D-5C62-4A1D-B043-8FDD4D52D550}"/>
               </a:ext>
             </a:extLst>
           </p:cNvPr>
@@ -4092,7 +4092,7 @@
           <a:p>
             <a:fld id="{A7779E94-F9CB-4A97-B0F4-FAE2783C5C59}" type="datetimeFigureOut">
               <a:rPr lang="zh-CN" altLang="en-US" smtClean="0"/>
-              <a:t>2019/10/31</a:t>
+              <a:t>2019/11/1</a:t>
             </a:fld>
             <a:endParaRPr lang="zh-CN" altLang="en-US"/>
           </a:p>
@@ -4103,7 +4103,7 @@
           <p:cNvPr id="8" name="页脚占位符 7">
             <a:extLst>
               <a:ext uri="{FF2B5EF4-FFF2-40B4-BE49-F238E27FC236}">
-                <a16:creationId xmlns:a16="http://schemas.microsoft.com/office/drawing/2014/main" id="{602B39BF-B510-496C-BFFF-007B1F00F9F4}"/>
+                <a16:creationId xmlns:a16="http://schemas.microsoft.com/office/drawing/2014/main" xmlns="" id="{602B39BF-B510-496C-BFFF-007B1F00F9F4}"/>
               </a:ext>
             </a:extLst>
           </p:cNvPr>
@@ -4128,7 +4128,7 @@
           <p:cNvPr id="9" name="灯片编号占位符 8">
             <a:extLst>
               <a:ext uri="{FF2B5EF4-FFF2-40B4-BE49-F238E27FC236}">
-                <a16:creationId xmlns:a16="http://schemas.microsoft.com/office/drawing/2014/main" id="{6FBBEFCC-0903-4498-8994-D556AE78ED63}"/>
+                <a16:creationId xmlns:a16="http://schemas.microsoft.com/office/drawing/2014/main" xmlns="" id="{6FBBEFCC-0903-4498-8994-D556AE78ED63}"/>
               </a:ext>
             </a:extLst>
           </p:cNvPr>
@@ -4187,7 +4187,7 @@
           <p:cNvPr id="2" name="标题 1">
             <a:extLst>
               <a:ext uri="{FF2B5EF4-FFF2-40B4-BE49-F238E27FC236}">
-                <a16:creationId xmlns:a16="http://schemas.microsoft.com/office/drawing/2014/main" id="{10A823CF-42A1-4C3B-8985-AC7F5FA250BC}"/>
+                <a16:creationId xmlns:a16="http://schemas.microsoft.com/office/drawing/2014/main" xmlns="" id="{10A823CF-42A1-4C3B-8985-AC7F5FA250BC}"/>
               </a:ext>
             </a:extLst>
           </p:cNvPr>
@@ -4215,7 +4215,7 @@
           <p:cNvPr id="3" name="日期占位符 2">
             <a:extLst>
               <a:ext uri="{FF2B5EF4-FFF2-40B4-BE49-F238E27FC236}">
-                <a16:creationId xmlns:a16="http://schemas.microsoft.com/office/drawing/2014/main" id="{A8DD9D8D-75E4-4615-8947-B8396AAD020F}"/>
+                <a16:creationId xmlns:a16="http://schemas.microsoft.com/office/drawing/2014/main" xmlns="" id="{A8DD9D8D-75E4-4615-8947-B8396AAD020F}"/>
               </a:ext>
             </a:extLst>
           </p:cNvPr>
@@ -4233,7 +4233,7 @@
           <a:p>
             <a:fld id="{A7779E94-F9CB-4A97-B0F4-FAE2783C5C59}" type="datetimeFigureOut">
               <a:rPr lang="zh-CN" altLang="en-US" smtClean="0"/>
-              <a:t>2019/10/31</a:t>
+              <a:t>2019/11/1</a:t>
             </a:fld>
             <a:endParaRPr lang="zh-CN" altLang="en-US"/>
           </a:p>
@@ -4244,7 +4244,7 @@
           <p:cNvPr id="4" name="页脚占位符 3">
             <a:extLst>
               <a:ext uri="{FF2B5EF4-FFF2-40B4-BE49-F238E27FC236}">
-                <a16:creationId xmlns:a16="http://schemas.microsoft.com/office/drawing/2014/main" id="{256E5590-FC92-423C-B4B9-F866DC0FAB6C}"/>
+                <a16:creationId xmlns:a16="http://schemas.microsoft.com/office/drawing/2014/main" xmlns="" id="{256E5590-FC92-423C-B4B9-F866DC0FAB6C}"/>
               </a:ext>
             </a:extLst>
           </p:cNvPr>
@@ -4269,7 +4269,7 @@
           <p:cNvPr id="5" name="灯片编号占位符 4">
             <a:extLst>
               <a:ext uri="{FF2B5EF4-FFF2-40B4-BE49-F238E27FC236}">
-                <a16:creationId xmlns:a16="http://schemas.microsoft.com/office/drawing/2014/main" id="{A74EEC31-A8BE-4615-B26B-645DDB03174B}"/>
+                <a16:creationId xmlns:a16="http://schemas.microsoft.com/office/drawing/2014/main" xmlns="" id="{A74EEC31-A8BE-4615-B26B-645DDB03174B}"/>
               </a:ext>
             </a:extLst>
           </p:cNvPr>
@@ -4328,7 +4328,7 @@
           <p:cNvPr id="2" name="日期占位符 1">
             <a:extLst>
               <a:ext uri="{FF2B5EF4-FFF2-40B4-BE49-F238E27FC236}">
-                <a16:creationId xmlns:a16="http://schemas.microsoft.com/office/drawing/2014/main" id="{0225683D-B2E6-40F6-86D4-840711DCBD13}"/>
+                <a16:creationId xmlns:a16="http://schemas.microsoft.com/office/drawing/2014/main" xmlns="" id="{0225683D-B2E6-40F6-86D4-840711DCBD13}"/>
               </a:ext>
             </a:extLst>
           </p:cNvPr>
@@ -4346,7 +4346,7 @@
           <a:p>
             <a:fld id="{A7779E94-F9CB-4A97-B0F4-FAE2783C5C59}" type="datetimeFigureOut">
               <a:rPr lang="zh-CN" altLang="en-US" smtClean="0"/>
-              <a:t>2019/10/31</a:t>
+              <a:t>2019/11/1</a:t>
             </a:fld>
             <a:endParaRPr lang="zh-CN" altLang="en-US"/>
           </a:p>
@@ -4357,7 +4357,7 @@
           <p:cNvPr id="3" name="页脚占位符 2">
             <a:extLst>
               <a:ext uri="{FF2B5EF4-FFF2-40B4-BE49-F238E27FC236}">
-                <a16:creationId xmlns:a16="http://schemas.microsoft.com/office/drawing/2014/main" id="{29DF6B15-FDDF-444A-B6D7-E8FF0FECC4D6}"/>
+                <a16:creationId xmlns:a16="http://schemas.microsoft.com/office/drawing/2014/main" xmlns="" id="{29DF6B15-FDDF-444A-B6D7-E8FF0FECC4D6}"/>
               </a:ext>
             </a:extLst>
           </p:cNvPr>
@@ -4382,7 +4382,7 @@
           <p:cNvPr id="4" name="灯片编号占位符 3">
             <a:extLst>
               <a:ext uri="{FF2B5EF4-FFF2-40B4-BE49-F238E27FC236}">
-                <a16:creationId xmlns:a16="http://schemas.microsoft.com/office/drawing/2014/main" id="{05638E4B-CE16-4EF7-8699-0E1BA2899FB7}"/>
+                <a16:creationId xmlns:a16="http://schemas.microsoft.com/office/drawing/2014/main" xmlns="" id="{05638E4B-CE16-4EF7-8699-0E1BA2899FB7}"/>
               </a:ext>
             </a:extLst>
           </p:cNvPr>
@@ -4441,7 +4441,7 @@
           <p:cNvPr id="2" name="标题 1">
             <a:extLst>
               <a:ext uri="{FF2B5EF4-FFF2-40B4-BE49-F238E27FC236}">
-                <a16:creationId xmlns:a16="http://schemas.microsoft.com/office/drawing/2014/main" id="{4A4D6B22-38B4-486B-89CF-ED3CC2E9FFB0}"/>
+                <a16:creationId xmlns:a16="http://schemas.microsoft.com/office/drawing/2014/main" xmlns="" id="{4A4D6B22-38B4-486B-89CF-ED3CC2E9FFB0}"/>
               </a:ext>
             </a:extLst>
           </p:cNvPr>
@@ -4478,7 +4478,7 @@
           <p:cNvPr id="3" name="内容占位符 2">
             <a:extLst>
               <a:ext uri="{FF2B5EF4-FFF2-40B4-BE49-F238E27FC236}">
-                <a16:creationId xmlns:a16="http://schemas.microsoft.com/office/drawing/2014/main" id="{1C49BDED-6763-490D-BDE0-D3660F599F71}"/>
+                <a16:creationId xmlns:a16="http://schemas.microsoft.com/office/drawing/2014/main" xmlns="" id="{1C49BDED-6763-490D-BDE0-D3660F599F71}"/>
               </a:ext>
             </a:extLst>
           </p:cNvPr>
@@ -4568,7 +4568,7 @@
           <p:cNvPr id="4" name="文本占位符 3">
             <a:extLst>
               <a:ext uri="{FF2B5EF4-FFF2-40B4-BE49-F238E27FC236}">
-                <a16:creationId xmlns:a16="http://schemas.microsoft.com/office/drawing/2014/main" id="{0A0AA70C-0F90-4838-A4E8-1D1D45A40ED8}"/>
+                <a16:creationId xmlns:a16="http://schemas.microsoft.com/office/drawing/2014/main" xmlns="" id="{0A0AA70C-0F90-4838-A4E8-1D1D45A40ED8}"/>
               </a:ext>
             </a:extLst>
           </p:cNvPr>
@@ -4639,7 +4639,7 @@
           <p:cNvPr id="5" name="日期占位符 4">
             <a:extLst>
               <a:ext uri="{FF2B5EF4-FFF2-40B4-BE49-F238E27FC236}">
-                <a16:creationId xmlns:a16="http://schemas.microsoft.com/office/drawing/2014/main" id="{CFCC353D-B73C-4EE6-BF6A-4EC4AEC3576C}"/>
+                <a16:creationId xmlns:a16="http://schemas.microsoft.com/office/drawing/2014/main" xmlns="" id="{CFCC353D-B73C-4EE6-BF6A-4EC4AEC3576C}"/>
               </a:ext>
             </a:extLst>
           </p:cNvPr>
@@ -4657,7 +4657,7 @@
           <a:p>
             <a:fld id="{A7779E94-F9CB-4A97-B0F4-FAE2783C5C59}" type="datetimeFigureOut">
               <a:rPr lang="zh-CN" altLang="en-US" smtClean="0"/>
-              <a:t>2019/10/31</a:t>
+              <a:t>2019/11/1</a:t>
             </a:fld>
             <a:endParaRPr lang="zh-CN" altLang="en-US"/>
           </a:p>
@@ -4668,7 +4668,7 @@
           <p:cNvPr id="6" name="页脚占位符 5">
             <a:extLst>
               <a:ext uri="{FF2B5EF4-FFF2-40B4-BE49-F238E27FC236}">
-                <a16:creationId xmlns:a16="http://schemas.microsoft.com/office/drawing/2014/main" id="{8E5B2BCB-0FBA-405C-A7D9-9499D9C98923}"/>
+                <a16:creationId xmlns:a16="http://schemas.microsoft.com/office/drawing/2014/main" xmlns="" id="{8E5B2BCB-0FBA-405C-A7D9-9499D9C98923}"/>
               </a:ext>
             </a:extLst>
           </p:cNvPr>
@@ -4693,7 +4693,7 @@
           <p:cNvPr id="7" name="灯片编号占位符 6">
             <a:extLst>
               <a:ext uri="{FF2B5EF4-FFF2-40B4-BE49-F238E27FC236}">
-                <a16:creationId xmlns:a16="http://schemas.microsoft.com/office/drawing/2014/main" id="{A734EF03-FFDD-4479-ADD9-DC597A16E2F7}"/>
+                <a16:creationId xmlns:a16="http://schemas.microsoft.com/office/drawing/2014/main" xmlns="" id="{A734EF03-FFDD-4479-ADD9-DC597A16E2F7}"/>
               </a:ext>
             </a:extLst>
           </p:cNvPr>
@@ -4752,7 +4752,7 @@
           <p:cNvPr id="2" name="标题 1">
             <a:extLst>
               <a:ext uri="{FF2B5EF4-FFF2-40B4-BE49-F238E27FC236}">
-                <a16:creationId xmlns:a16="http://schemas.microsoft.com/office/drawing/2014/main" id="{5C7B948B-3DFB-4FE6-9822-D6DAE79053B4}"/>
+                <a16:creationId xmlns:a16="http://schemas.microsoft.com/office/drawing/2014/main" xmlns="" id="{5C7B948B-3DFB-4FE6-9822-D6DAE79053B4}"/>
               </a:ext>
             </a:extLst>
           </p:cNvPr>
@@ -4789,7 +4789,7 @@
           <p:cNvPr id="3" name="图片占位符 2">
             <a:extLst>
               <a:ext uri="{FF2B5EF4-FFF2-40B4-BE49-F238E27FC236}">
-                <a16:creationId xmlns:a16="http://schemas.microsoft.com/office/drawing/2014/main" id="{A5A1E961-E7F7-4425-A493-3070CDEA7D83}"/>
+                <a16:creationId xmlns:a16="http://schemas.microsoft.com/office/drawing/2014/main" xmlns="" id="{A5A1E961-E7F7-4425-A493-3070CDEA7D83}"/>
               </a:ext>
             </a:extLst>
           </p:cNvPr>
@@ -4856,7 +4856,7 @@
           <p:cNvPr id="4" name="文本占位符 3">
             <a:extLst>
               <a:ext uri="{FF2B5EF4-FFF2-40B4-BE49-F238E27FC236}">
-                <a16:creationId xmlns:a16="http://schemas.microsoft.com/office/drawing/2014/main" id="{E31715FB-BF0E-4BE4-A04D-939F225358E3}"/>
+                <a16:creationId xmlns:a16="http://schemas.microsoft.com/office/drawing/2014/main" xmlns="" id="{E31715FB-BF0E-4BE4-A04D-939F225358E3}"/>
               </a:ext>
             </a:extLst>
           </p:cNvPr>
@@ -4927,7 +4927,7 @@
           <p:cNvPr id="5" name="日期占位符 4">
             <a:extLst>
               <a:ext uri="{FF2B5EF4-FFF2-40B4-BE49-F238E27FC236}">
-                <a16:creationId xmlns:a16="http://schemas.microsoft.com/office/drawing/2014/main" id="{E831191A-2FC6-4594-9B53-92E9201FC312}"/>
+                <a16:creationId xmlns:a16="http://schemas.microsoft.com/office/drawing/2014/main" xmlns="" id="{E831191A-2FC6-4594-9B53-92E9201FC312}"/>
               </a:ext>
             </a:extLst>
           </p:cNvPr>
@@ -4945,7 +4945,7 @@
           <a:p>
             <a:fld id="{A7779E94-F9CB-4A97-B0F4-FAE2783C5C59}" type="datetimeFigureOut">
               <a:rPr lang="zh-CN" altLang="en-US" smtClean="0"/>
-              <a:t>2019/10/31</a:t>
+              <a:t>2019/11/1</a:t>
             </a:fld>
             <a:endParaRPr lang="zh-CN" altLang="en-US"/>
           </a:p>
@@ -4956,7 +4956,7 @@
           <p:cNvPr id="6" name="页脚占位符 5">
             <a:extLst>
               <a:ext uri="{FF2B5EF4-FFF2-40B4-BE49-F238E27FC236}">
-                <a16:creationId xmlns:a16="http://schemas.microsoft.com/office/drawing/2014/main" id="{80C66EC6-68E2-4442-BAC3-DDB2115EF172}"/>
+                <a16:creationId xmlns:a16="http://schemas.microsoft.com/office/drawing/2014/main" xmlns="" id="{80C66EC6-68E2-4442-BAC3-DDB2115EF172}"/>
               </a:ext>
             </a:extLst>
           </p:cNvPr>
@@ -4981,7 +4981,7 @@
           <p:cNvPr id="7" name="灯片编号占位符 6">
             <a:extLst>
               <a:ext uri="{FF2B5EF4-FFF2-40B4-BE49-F238E27FC236}">
-                <a16:creationId xmlns:a16="http://schemas.microsoft.com/office/drawing/2014/main" id="{D666BF00-0D58-4674-B3EB-F2EB8B11BAB9}"/>
+                <a16:creationId xmlns:a16="http://schemas.microsoft.com/office/drawing/2014/main" xmlns="" id="{D666BF00-0D58-4674-B3EB-F2EB8B11BAB9}"/>
               </a:ext>
             </a:extLst>
           </p:cNvPr>
@@ -5045,7 +5045,7 @@
           <p:cNvPr id="2" name="标题占位符 1">
             <a:extLst>
               <a:ext uri="{FF2B5EF4-FFF2-40B4-BE49-F238E27FC236}">
-                <a16:creationId xmlns:a16="http://schemas.microsoft.com/office/drawing/2014/main" id="{3CECC492-4E6C-4291-A660-596E176A20A8}"/>
+                <a16:creationId xmlns:a16="http://schemas.microsoft.com/office/drawing/2014/main" xmlns="" id="{3CECC492-4E6C-4291-A660-596E176A20A8}"/>
               </a:ext>
             </a:extLst>
           </p:cNvPr>
@@ -5083,7 +5083,7 @@
           <p:cNvPr id="3" name="文本占位符 2">
             <a:extLst>
               <a:ext uri="{FF2B5EF4-FFF2-40B4-BE49-F238E27FC236}">
-                <a16:creationId xmlns:a16="http://schemas.microsoft.com/office/drawing/2014/main" id="{18985DC4-A5D2-4208-AEB3-D731F6FB056A}"/>
+                <a16:creationId xmlns:a16="http://schemas.microsoft.com/office/drawing/2014/main" xmlns="" id="{18985DC4-A5D2-4208-AEB3-D731F6FB056A}"/>
               </a:ext>
             </a:extLst>
           </p:cNvPr>
@@ -5150,7 +5150,7 @@
           <p:cNvPr id="4" name="日期占位符 3">
             <a:extLst>
               <a:ext uri="{FF2B5EF4-FFF2-40B4-BE49-F238E27FC236}">
-                <a16:creationId xmlns:a16="http://schemas.microsoft.com/office/drawing/2014/main" id="{52C9CFE6-7E2A-4EFD-976E-1681A62379ED}"/>
+                <a16:creationId xmlns:a16="http://schemas.microsoft.com/office/drawing/2014/main" xmlns="" id="{52C9CFE6-7E2A-4EFD-976E-1681A62379ED}"/>
               </a:ext>
             </a:extLst>
           </p:cNvPr>
@@ -5186,7 +5186,7 @@
           <a:p>
             <a:fld id="{A7779E94-F9CB-4A97-B0F4-FAE2783C5C59}" type="datetimeFigureOut">
               <a:rPr lang="zh-CN" altLang="en-US" smtClean="0"/>
-              <a:t>2019/10/31</a:t>
+              <a:t>2019/11/1</a:t>
             </a:fld>
             <a:endParaRPr lang="zh-CN" altLang="en-US"/>
           </a:p>
@@ -5197,7 +5197,7 @@
           <p:cNvPr id="5" name="页脚占位符 4">
             <a:extLst>
               <a:ext uri="{FF2B5EF4-FFF2-40B4-BE49-F238E27FC236}">
-                <a16:creationId xmlns:a16="http://schemas.microsoft.com/office/drawing/2014/main" id="{89EE954B-21AD-4B72-B224-7F0FA96E1738}"/>
+                <a16:creationId xmlns:a16="http://schemas.microsoft.com/office/drawing/2014/main" xmlns="" id="{89EE954B-21AD-4B72-B224-7F0FA96E1738}"/>
               </a:ext>
             </a:extLst>
           </p:cNvPr>
@@ -5240,7 +5240,7 @@
           <p:cNvPr id="6" name="灯片编号占位符 5">
             <a:extLst>
               <a:ext uri="{FF2B5EF4-FFF2-40B4-BE49-F238E27FC236}">
-                <a16:creationId xmlns:a16="http://schemas.microsoft.com/office/drawing/2014/main" id="{07ABEA96-A565-461D-A59D-64AB4A926A0F}"/>
+                <a16:creationId xmlns:a16="http://schemas.microsoft.com/office/drawing/2014/main" xmlns="" id="{07ABEA96-A565-461D-A59D-64AB4A926A0F}"/>
               </a:ext>
             </a:extLst>
           </p:cNvPr>
@@ -5608,7 +5608,7 @@
           <p:cNvPr id="4" name="矩形 1">
             <a:extLst>
               <a:ext uri="{FF2B5EF4-FFF2-40B4-BE49-F238E27FC236}">
-                <a16:creationId xmlns:a16="http://schemas.microsoft.com/office/drawing/2014/main" id="{D893B16B-B36A-8D45-9957-06E3B841D429}"/>
+                <a16:creationId xmlns:a16="http://schemas.microsoft.com/office/drawing/2014/main" xmlns="" id="{D893B16B-B36A-8D45-9957-06E3B841D429}"/>
               </a:ext>
             </a:extLst>
           </p:cNvPr>
@@ -5657,7 +5657,7 @@
           <p:cNvPr id="3" name="TextBox 2">
             <a:extLst>
               <a:ext uri="{FF2B5EF4-FFF2-40B4-BE49-F238E27FC236}">
-                <a16:creationId xmlns:a16="http://schemas.microsoft.com/office/drawing/2014/main" id="{4C90888C-62DC-C341-8E66-997486B629FE}"/>
+                <a16:creationId xmlns:a16="http://schemas.microsoft.com/office/drawing/2014/main" xmlns="" id="{4C90888C-62DC-C341-8E66-997486B629FE}"/>
               </a:ext>
             </a:extLst>
           </p:cNvPr>
@@ -5762,7 +5762,7 @@
           <p:cNvPr id="2" name="矩形 1">
             <a:extLst>
               <a:ext uri="{FF2B5EF4-FFF2-40B4-BE49-F238E27FC236}">
-                <a16:creationId xmlns:a16="http://schemas.microsoft.com/office/drawing/2014/main" id="{84A53C23-79FC-44C5-978D-820FFF504685}"/>
+                <a16:creationId xmlns:a16="http://schemas.microsoft.com/office/drawing/2014/main" xmlns="" id="{84A53C23-79FC-44C5-978D-820FFF504685}"/>
               </a:ext>
             </a:extLst>
           </p:cNvPr>
@@ -5814,7 +5814,7 @@
           <p:cNvPr id="5" name="TextBox 4">
             <a:extLst>
               <a:ext uri="{FF2B5EF4-FFF2-40B4-BE49-F238E27FC236}">
-                <a16:creationId xmlns:a16="http://schemas.microsoft.com/office/drawing/2014/main" id="{31409547-3604-6F4C-A951-0570BEB1BCCF}"/>
+                <a16:creationId xmlns:a16="http://schemas.microsoft.com/office/drawing/2014/main" xmlns="" id="{31409547-3604-6F4C-A951-0570BEB1BCCF}"/>
               </a:ext>
             </a:extLst>
           </p:cNvPr>
@@ -5850,7 +5850,7 @@
           <p:cNvPr id="7" name="TextBox 6">
             <a:extLst>
               <a:ext uri="{FF2B5EF4-FFF2-40B4-BE49-F238E27FC236}">
-                <a16:creationId xmlns:a16="http://schemas.microsoft.com/office/drawing/2014/main" id="{E6277948-608D-3248-9C9E-F522C441E192}"/>
+                <a16:creationId xmlns:a16="http://schemas.microsoft.com/office/drawing/2014/main" xmlns="" id="{E6277948-608D-3248-9C9E-F522C441E192}"/>
               </a:ext>
             </a:extLst>
           </p:cNvPr>
@@ -5908,7 +5908,7 @@
           <p:cNvPr id="8" name="TextBox 7">
             <a:extLst>
               <a:ext uri="{FF2B5EF4-FFF2-40B4-BE49-F238E27FC236}">
-                <a16:creationId xmlns:a16="http://schemas.microsoft.com/office/drawing/2014/main" id="{A3CC2FD6-DD7B-7742-845F-7E783FFDC69C}"/>
+                <a16:creationId xmlns:a16="http://schemas.microsoft.com/office/drawing/2014/main" xmlns="" id="{A3CC2FD6-DD7B-7742-845F-7E783FFDC69C}"/>
               </a:ext>
             </a:extLst>
           </p:cNvPr>
@@ -5961,7 +5961,7 @@
           <p:cNvPr id="3" name="Picture 2">
             <a:extLst>
               <a:ext uri="{FF2B5EF4-FFF2-40B4-BE49-F238E27FC236}">
-                <a16:creationId xmlns:a16="http://schemas.microsoft.com/office/drawing/2014/main" id="{FC8A083E-B3DA-954C-9C57-513F884B5F95}"/>
+                <a16:creationId xmlns:a16="http://schemas.microsoft.com/office/drawing/2014/main" xmlns="" id="{FC8A083E-B3DA-954C-9C57-513F884B5F95}"/>
               </a:ext>
             </a:extLst>
           </p:cNvPr>
@@ -6021,7 +6021,7 @@
           <p:cNvPr id="2" name="矩形 1">
             <a:extLst>
               <a:ext uri="{FF2B5EF4-FFF2-40B4-BE49-F238E27FC236}">
-                <a16:creationId xmlns:a16="http://schemas.microsoft.com/office/drawing/2014/main" id="{84A53C23-79FC-44C5-978D-820FFF504685}"/>
+                <a16:creationId xmlns:a16="http://schemas.microsoft.com/office/drawing/2014/main" xmlns="" id="{84A53C23-79FC-44C5-978D-820FFF504685}"/>
               </a:ext>
             </a:extLst>
           </p:cNvPr>
@@ -6073,7 +6073,7 @@
           <p:cNvPr id="5" name="TextBox 4">
             <a:extLst>
               <a:ext uri="{FF2B5EF4-FFF2-40B4-BE49-F238E27FC236}">
-                <a16:creationId xmlns:a16="http://schemas.microsoft.com/office/drawing/2014/main" id="{31409547-3604-6F4C-A951-0570BEB1BCCF}"/>
+                <a16:creationId xmlns:a16="http://schemas.microsoft.com/office/drawing/2014/main" xmlns="" id="{31409547-3604-6F4C-A951-0570BEB1BCCF}"/>
               </a:ext>
             </a:extLst>
           </p:cNvPr>
@@ -6109,7 +6109,7 @@
           <p:cNvPr id="4" name="TextBox 3">
             <a:extLst>
               <a:ext uri="{FF2B5EF4-FFF2-40B4-BE49-F238E27FC236}">
-                <a16:creationId xmlns:a16="http://schemas.microsoft.com/office/drawing/2014/main" id="{B61DC2A2-C45D-8C47-8AF0-BCE834CD6A7B}"/>
+                <a16:creationId xmlns:a16="http://schemas.microsoft.com/office/drawing/2014/main" xmlns="" id="{B61DC2A2-C45D-8C47-8AF0-BCE834CD6A7B}"/>
               </a:ext>
             </a:extLst>
           </p:cNvPr>
@@ -6161,7 +6161,7 @@
           <p:cNvPr id="6" name="TextBox 5">
             <a:extLst>
               <a:ext uri="{FF2B5EF4-FFF2-40B4-BE49-F238E27FC236}">
-                <a16:creationId xmlns:a16="http://schemas.microsoft.com/office/drawing/2014/main" id="{1EC96383-8D6C-FA42-B436-875C89F1E6A4}"/>
+                <a16:creationId xmlns:a16="http://schemas.microsoft.com/office/drawing/2014/main" xmlns="" id="{1EC96383-8D6C-FA42-B436-875C89F1E6A4}"/>
               </a:ext>
             </a:extLst>
           </p:cNvPr>
@@ -6197,7 +6197,7 @@
           <p:cNvPr id="9" name="TextBox 8">
             <a:extLst>
               <a:ext uri="{FF2B5EF4-FFF2-40B4-BE49-F238E27FC236}">
-                <a16:creationId xmlns:a16="http://schemas.microsoft.com/office/drawing/2014/main" id="{F73CA1BA-B2E1-2B42-AAD3-4F99BB08E23B}"/>
+                <a16:creationId xmlns:a16="http://schemas.microsoft.com/office/drawing/2014/main" xmlns="" id="{F73CA1BA-B2E1-2B42-AAD3-4F99BB08E23B}"/>
               </a:ext>
             </a:extLst>
           </p:cNvPr>
@@ -6233,7 +6233,7 @@
           <p:cNvPr id="11" name="Straight Arrow Connector 10">
             <a:extLst>
               <a:ext uri="{FF2B5EF4-FFF2-40B4-BE49-F238E27FC236}">
-                <a16:creationId xmlns:a16="http://schemas.microsoft.com/office/drawing/2014/main" id="{6A0359E9-CE83-1C46-9D70-C53CC022E31C}"/>
+                <a16:creationId xmlns:a16="http://schemas.microsoft.com/office/drawing/2014/main" xmlns="" id="{6A0359E9-CE83-1C46-9D70-C53CC022E31C}"/>
               </a:ext>
             </a:extLst>
           </p:cNvPr>
@@ -6272,7 +6272,7 @@
           <p:cNvPr id="12" name="TextBox 11">
             <a:extLst>
               <a:ext uri="{FF2B5EF4-FFF2-40B4-BE49-F238E27FC236}">
-                <a16:creationId xmlns:a16="http://schemas.microsoft.com/office/drawing/2014/main" id="{9DCE7BED-DFBC-984F-912E-7A3B3FD53F72}"/>
+                <a16:creationId xmlns:a16="http://schemas.microsoft.com/office/drawing/2014/main" xmlns="" id="{9DCE7BED-DFBC-984F-912E-7A3B3FD53F72}"/>
               </a:ext>
             </a:extLst>
           </p:cNvPr>
@@ -6308,7 +6308,7 @@
           <p:cNvPr id="13" name="TextBox 12">
             <a:extLst>
               <a:ext uri="{FF2B5EF4-FFF2-40B4-BE49-F238E27FC236}">
-                <a16:creationId xmlns:a16="http://schemas.microsoft.com/office/drawing/2014/main" id="{BCCDA8AD-D366-E94B-8E99-D8EC254EEFF6}"/>
+                <a16:creationId xmlns:a16="http://schemas.microsoft.com/office/drawing/2014/main" xmlns="" id="{BCCDA8AD-D366-E94B-8E99-D8EC254EEFF6}"/>
               </a:ext>
             </a:extLst>
           </p:cNvPr>
@@ -6369,7 +6369,7 @@
           <p:cNvPr id="14" name="TextBox 13">
             <a:extLst>
               <a:ext uri="{FF2B5EF4-FFF2-40B4-BE49-F238E27FC236}">
-                <a16:creationId xmlns:a16="http://schemas.microsoft.com/office/drawing/2014/main" id="{F5291970-D768-E544-8CF0-F03CDCA1EA55}"/>
+                <a16:creationId xmlns:a16="http://schemas.microsoft.com/office/drawing/2014/main" xmlns="" id="{F5291970-D768-E544-8CF0-F03CDCA1EA55}"/>
               </a:ext>
             </a:extLst>
           </p:cNvPr>
@@ -6410,7 +6410,7 @@
           <p:cNvPr id="15" name="Picture 14">
             <a:extLst>
               <a:ext uri="{FF2B5EF4-FFF2-40B4-BE49-F238E27FC236}">
-                <a16:creationId xmlns:a16="http://schemas.microsoft.com/office/drawing/2014/main" id="{B0DB7818-38B4-4042-B086-97EBE93AE457}"/>
+                <a16:creationId xmlns:a16="http://schemas.microsoft.com/office/drawing/2014/main" xmlns="" id="{B0DB7818-38B4-4042-B086-97EBE93AE457}"/>
               </a:ext>
             </a:extLst>
           </p:cNvPr>
@@ -6440,7 +6440,7 @@
           <p:cNvPr id="16" name="TextBox 15">
             <a:extLst>
               <a:ext uri="{FF2B5EF4-FFF2-40B4-BE49-F238E27FC236}">
-                <a16:creationId xmlns:a16="http://schemas.microsoft.com/office/drawing/2014/main" id="{FD1BDCE2-5E97-5543-ABCF-B6BA2C42C090}"/>
+                <a16:creationId xmlns:a16="http://schemas.microsoft.com/office/drawing/2014/main" xmlns="" id="{FD1BDCE2-5E97-5543-ABCF-B6BA2C42C090}"/>
               </a:ext>
             </a:extLst>
           </p:cNvPr>
@@ -6508,7 +6508,7 @@
           <p:cNvPr id="2" name="矩形 1">
             <a:extLst>
               <a:ext uri="{FF2B5EF4-FFF2-40B4-BE49-F238E27FC236}">
-                <a16:creationId xmlns:a16="http://schemas.microsoft.com/office/drawing/2014/main" id="{84A53C23-79FC-44C5-978D-820FFF504685}"/>
+                <a16:creationId xmlns:a16="http://schemas.microsoft.com/office/drawing/2014/main" xmlns="" id="{84A53C23-79FC-44C5-978D-820FFF504685}"/>
               </a:ext>
             </a:extLst>
           </p:cNvPr>
@@ -6560,7 +6560,7 @@
           <p:cNvPr id="5" name="TextBox 4">
             <a:extLst>
               <a:ext uri="{FF2B5EF4-FFF2-40B4-BE49-F238E27FC236}">
-                <a16:creationId xmlns:a16="http://schemas.microsoft.com/office/drawing/2014/main" id="{31409547-3604-6F4C-A951-0570BEB1BCCF}"/>
+                <a16:creationId xmlns:a16="http://schemas.microsoft.com/office/drawing/2014/main" xmlns="" id="{31409547-3604-6F4C-A951-0570BEB1BCCF}"/>
               </a:ext>
             </a:extLst>
           </p:cNvPr>
@@ -6596,7 +6596,7 @@
           <p:cNvPr id="4" name="TextBox 3">
             <a:extLst>
               <a:ext uri="{FF2B5EF4-FFF2-40B4-BE49-F238E27FC236}">
-                <a16:creationId xmlns:a16="http://schemas.microsoft.com/office/drawing/2014/main" id="{B61DC2A2-C45D-8C47-8AF0-BCE834CD6A7B}"/>
+                <a16:creationId xmlns:a16="http://schemas.microsoft.com/office/drawing/2014/main" xmlns="" id="{B61DC2A2-C45D-8C47-8AF0-BCE834CD6A7B}"/>
               </a:ext>
             </a:extLst>
           </p:cNvPr>
@@ -6640,7 +6640,7 @@
           <p:cNvPr id="3" name="TextBox 2">
             <a:extLst>
               <a:ext uri="{FF2B5EF4-FFF2-40B4-BE49-F238E27FC236}">
-                <a16:creationId xmlns:a16="http://schemas.microsoft.com/office/drawing/2014/main" id="{E8F49E50-7D1D-3744-8B64-953476A432AE}"/>
+                <a16:creationId xmlns:a16="http://schemas.microsoft.com/office/drawing/2014/main" xmlns="" id="{E8F49E50-7D1D-3744-8B64-953476A432AE}"/>
               </a:ext>
             </a:extLst>
           </p:cNvPr>
@@ -6688,7 +6688,7 @@
           <p:cNvPr id="7" name="TextBox 6">
             <a:extLst>
               <a:ext uri="{FF2B5EF4-FFF2-40B4-BE49-F238E27FC236}">
-                <a16:creationId xmlns:a16="http://schemas.microsoft.com/office/drawing/2014/main" id="{DB931C9A-CBB3-2D44-88DB-3475D3410502}"/>
+                <a16:creationId xmlns:a16="http://schemas.microsoft.com/office/drawing/2014/main" xmlns="" id="{DB931C9A-CBB3-2D44-88DB-3475D3410502}"/>
               </a:ext>
             </a:extLst>
           </p:cNvPr>
@@ -6787,7 +6787,7 @@
           <p:cNvPr id="2" name="矩形 1">
             <a:extLst>
               <a:ext uri="{FF2B5EF4-FFF2-40B4-BE49-F238E27FC236}">
-                <a16:creationId xmlns:a16="http://schemas.microsoft.com/office/drawing/2014/main" id="{84A53C23-79FC-44C5-978D-820FFF504685}"/>
+                <a16:creationId xmlns:a16="http://schemas.microsoft.com/office/drawing/2014/main" xmlns="" id="{84A53C23-79FC-44C5-978D-820FFF504685}"/>
               </a:ext>
             </a:extLst>
           </p:cNvPr>
@@ -6839,7 +6839,7 @@
           <p:cNvPr id="5" name="TextBox 4">
             <a:extLst>
               <a:ext uri="{FF2B5EF4-FFF2-40B4-BE49-F238E27FC236}">
-                <a16:creationId xmlns:a16="http://schemas.microsoft.com/office/drawing/2014/main" id="{31409547-3604-6F4C-A951-0570BEB1BCCF}"/>
+                <a16:creationId xmlns:a16="http://schemas.microsoft.com/office/drawing/2014/main" xmlns="" id="{31409547-3604-6F4C-A951-0570BEB1BCCF}"/>
               </a:ext>
             </a:extLst>
           </p:cNvPr>
@@ -6875,7 +6875,7 @@
           <p:cNvPr id="4" name="TextBox 3">
             <a:extLst>
               <a:ext uri="{FF2B5EF4-FFF2-40B4-BE49-F238E27FC236}">
-                <a16:creationId xmlns:a16="http://schemas.microsoft.com/office/drawing/2014/main" id="{B61DC2A2-C45D-8C47-8AF0-BCE834CD6A7B}"/>
+                <a16:creationId xmlns:a16="http://schemas.microsoft.com/office/drawing/2014/main" xmlns="" id="{B61DC2A2-C45D-8C47-8AF0-BCE834CD6A7B}"/>
               </a:ext>
             </a:extLst>
           </p:cNvPr>
@@ -6911,7 +6911,7 @@
           <p:cNvPr id="6" name="Picture 5">
             <a:extLst>
               <a:ext uri="{FF2B5EF4-FFF2-40B4-BE49-F238E27FC236}">
-                <a16:creationId xmlns:a16="http://schemas.microsoft.com/office/drawing/2014/main" id="{836BD032-93F8-1E41-9F37-2FF03796B7B6}"/>
+                <a16:creationId xmlns:a16="http://schemas.microsoft.com/office/drawing/2014/main" xmlns="" id="{836BD032-93F8-1E41-9F37-2FF03796B7B6}"/>
               </a:ext>
             </a:extLst>
           </p:cNvPr>
@@ -6941,7 +6941,7 @@
           <p:cNvPr id="8" name="TextBox 7">
             <a:extLst>
               <a:ext uri="{FF2B5EF4-FFF2-40B4-BE49-F238E27FC236}">
-                <a16:creationId xmlns:a16="http://schemas.microsoft.com/office/drawing/2014/main" id="{E4E237FD-4D41-3240-86EB-1F7DF9CE2166}"/>
+                <a16:creationId xmlns:a16="http://schemas.microsoft.com/office/drawing/2014/main" xmlns="" id="{E4E237FD-4D41-3240-86EB-1F7DF9CE2166}"/>
               </a:ext>
             </a:extLst>
           </p:cNvPr>
@@ -7009,7 +7009,7 @@
           <p:cNvPr id="2" name="矩形 1">
             <a:extLst>
               <a:ext uri="{FF2B5EF4-FFF2-40B4-BE49-F238E27FC236}">
-                <a16:creationId xmlns:a16="http://schemas.microsoft.com/office/drawing/2014/main" id="{84A53C23-79FC-44C5-978D-820FFF504685}"/>
+                <a16:creationId xmlns:a16="http://schemas.microsoft.com/office/drawing/2014/main" xmlns="" id="{84A53C23-79FC-44C5-978D-820FFF504685}"/>
               </a:ext>
             </a:extLst>
           </p:cNvPr>
@@ -7061,7 +7061,7 @@
           <p:cNvPr id="5" name="TextBox 4">
             <a:extLst>
               <a:ext uri="{FF2B5EF4-FFF2-40B4-BE49-F238E27FC236}">
-                <a16:creationId xmlns:a16="http://schemas.microsoft.com/office/drawing/2014/main" id="{31409547-3604-6F4C-A951-0570BEB1BCCF}"/>
+                <a16:creationId xmlns:a16="http://schemas.microsoft.com/office/drawing/2014/main" xmlns="" id="{31409547-3604-6F4C-A951-0570BEB1BCCF}"/>
               </a:ext>
             </a:extLst>
           </p:cNvPr>
@@ -7097,7 +7097,7 @@
           <p:cNvPr id="4" name="TextBox 3">
             <a:extLst>
               <a:ext uri="{FF2B5EF4-FFF2-40B4-BE49-F238E27FC236}">
-                <a16:creationId xmlns:a16="http://schemas.microsoft.com/office/drawing/2014/main" id="{B61DC2A2-C45D-8C47-8AF0-BCE834CD6A7B}"/>
+                <a16:creationId xmlns:a16="http://schemas.microsoft.com/office/drawing/2014/main" xmlns="" id="{B61DC2A2-C45D-8C47-8AF0-BCE834CD6A7B}"/>
               </a:ext>
             </a:extLst>
           </p:cNvPr>
@@ -7171,7 +7171,7 @@
           <p:cNvPr id="3" name="图片 2">
             <a:extLst>
               <a:ext uri="{FF2B5EF4-FFF2-40B4-BE49-F238E27FC236}">
-                <a16:creationId xmlns:a16="http://schemas.microsoft.com/office/drawing/2014/main" id="{ACF10C87-3EDB-49F0-991F-A28F1F68A963}"/>
+                <a16:creationId xmlns:a16="http://schemas.microsoft.com/office/drawing/2014/main" xmlns="" id="{ACF10C87-3EDB-49F0-991F-A28F1F68A963}"/>
               </a:ext>
             </a:extLst>
           </p:cNvPr>
@@ -7231,7 +7231,7 @@
           <p:cNvPr id="2" name="矩形 1">
             <a:extLst>
               <a:ext uri="{FF2B5EF4-FFF2-40B4-BE49-F238E27FC236}">
-                <a16:creationId xmlns:a16="http://schemas.microsoft.com/office/drawing/2014/main" id="{84A53C23-79FC-44C5-978D-820FFF504685}"/>
+                <a16:creationId xmlns:a16="http://schemas.microsoft.com/office/drawing/2014/main" xmlns="" id="{84A53C23-79FC-44C5-978D-820FFF504685}"/>
               </a:ext>
             </a:extLst>
           </p:cNvPr>
@@ -7283,7 +7283,7 @@
           <p:cNvPr id="5" name="TextBox 4">
             <a:extLst>
               <a:ext uri="{FF2B5EF4-FFF2-40B4-BE49-F238E27FC236}">
-                <a16:creationId xmlns:a16="http://schemas.microsoft.com/office/drawing/2014/main" id="{31409547-3604-6F4C-A951-0570BEB1BCCF}"/>
+                <a16:creationId xmlns:a16="http://schemas.microsoft.com/office/drawing/2014/main" xmlns="" id="{31409547-3604-6F4C-A951-0570BEB1BCCF}"/>
               </a:ext>
             </a:extLst>
           </p:cNvPr>
@@ -7319,7 +7319,7 @@
           <p:cNvPr id="4" name="TextBox 3">
             <a:extLst>
               <a:ext uri="{FF2B5EF4-FFF2-40B4-BE49-F238E27FC236}">
-                <a16:creationId xmlns:a16="http://schemas.microsoft.com/office/drawing/2014/main" id="{B61DC2A2-C45D-8C47-8AF0-BCE834CD6A7B}"/>
+                <a16:creationId xmlns:a16="http://schemas.microsoft.com/office/drawing/2014/main" xmlns="" id="{B61DC2A2-C45D-8C47-8AF0-BCE834CD6A7B}"/>
               </a:ext>
             </a:extLst>
           </p:cNvPr>
@@ -7412,7 +7412,7 @@
           <p:cNvPr id="6" name="图片 5">
             <a:extLst>
               <a:ext uri="{FF2B5EF4-FFF2-40B4-BE49-F238E27FC236}">
-                <a16:creationId xmlns:a16="http://schemas.microsoft.com/office/drawing/2014/main" id="{6B5F3BD5-2C84-4D9A-BD1A-BB2DA9EFBEC5}"/>
+                <a16:creationId xmlns:a16="http://schemas.microsoft.com/office/drawing/2014/main" xmlns="" id="{6B5F3BD5-2C84-4D9A-BD1A-BB2DA9EFBEC5}"/>
               </a:ext>
             </a:extLst>
           </p:cNvPr>
@@ -7472,7 +7472,7 @@
           <p:cNvPr id="2" name="矩形 1">
             <a:extLst>
               <a:ext uri="{FF2B5EF4-FFF2-40B4-BE49-F238E27FC236}">
-                <a16:creationId xmlns:a16="http://schemas.microsoft.com/office/drawing/2014/main" id="{84A53C23-79FC-44C5-978D-820FFF504685}"/>
+                <a16:creationId xmlns:a16="http://schemas.microsoft.com/office/drawing/2014/main" xmlns="" id="{84A53C23-79FC-44C5-978D-820FFF504685}"/>
               </a:ext>
             </a:extLst>
           </p:cNvPr>
@@ -7524,7 +7524,7 @@
           <p:cNvPr id="5" name="TextBox 4">
             <a:extLst>
               <a:ext uri="{FF2B5EF4-FFF2-40B4-BE49-F238E27FC236}">
-                <a16:creationId xmlns:a16="http://schemas.microsoft.com/office/drawing/2014/main" id="{31409547-3604-6F4C-A951-0570BEB1BCCF}"/>
+                <a16:creationId xmlns:a16="http://schemas.microsoft.com/office/drawing/2014/main" xmlns="" id="{31409547-3604-6F4C-A951-0570BEB1BCCF}"/>
               </a:ext>
             </a:extLst>
           </p:cNvPr>
@@ -7560,7 +7560,7 @@
           <p:cNvPr id="4" name="TextBox 3">
             <a:extLst>
               <a:ext uri="{FF2B5EF4-FFF2-40B4-BE49-F238E27FC236}">
-                <a16:creationId xmlns:a16="http://schemas.microsoft.com/office/drawing/2014/main" id="{B61DC2A2-C45D-8C47-8AF0-BCE834CD6A7B}"/>
+                <a16:creationId xmlns:a16="http://schemas.microsoft.com/office/drawing/2014/main" xmlns="" id="{B61DC2A2-C45D-8C47-8AF0-BCE834CD6A7B}"/>
               </a:ext>
             </a:extLst>
           </p:cNvPr>
@@ -7766,7 +7766,7 @@
           <p:cNvPr id="2" name="矩形 1">
             <a:extLst>
               <a:ext uri="{FF2B5EF4-FFF2-40B4-BE49-F238E27FC236}">
-                <a16:creationId xmlns:a16="http://schemas.microsoft.com/office/drawing/2014/main" id="{84A53C23-79FC-44C5-978D-820FFF504685}"/>
+                <a16:creationId xmlns:a16="http://schemas.microsoft.com/office/drawing/2014/main" xmlns="" id="{84A53C23-79FC-44C5-978D-820FFF504685}"/>
               </a:ext>
             </a:extLst>
           </p:cNvPr>
@@ -7818,7 +7818,7 @@
           <p:cNvPr id="5" name="TextBox 4">
             <a:extLst>
               <a:ext uri="{FF2B5EF4-FFF2-40B4-BE49-F238E27FC236}">
-                <a16:creationId xmlns:a16="http://schemas.microsoft.com/office/drawing/2014/main" id="{31409547-3604-6F4C-A951-0570BEB1BCCF}"/>
+                <a16:creationId xmlns:a16="http://schemas.microsoft.com/office/drawing/2014/main" xmlns="" id="{31409547-3604-6F4C-A951-0570BEB1BCCF}"/>
               </a:ext>
             </a:extLst>
           </p:cNvPr>
@@ -7854,7 +7854,7 @@
           <p:cNvPr id="4" name="TextBox 3">
             <a:extLst>
               <a:ext uri="{FF2B5EF4-FFF2-40B4-BE49-F238E27FC236}">
-                <a16:creationId xmlns:a16="http://schemas.microsoft.com/office/drawing/2014/main" id="{B61DC2A2-C45D-8C47-8AF0-BCE834CD6A7B}"/>
+                <a16:creationId xmlns:a16="http://schemas.microsoft.com/office/drawing/2014/main" xmlns="" id="{B61DC2A2-C45D-8C47-8AF0-BCE834CD6A7B}"/>
               </a:ext>
             </a:extLst>
           </p:cNvPr>
@@ -8007,7 +8007,7 @@
           <p:cNvPr id="3" name="Picture 2">
             <a:extLst>
               <a:ext uri="{FF2B5EF4-FFF2-40B4-BE49-F238E27FC236}">
-                <a16:creationId xmlns:a16="http://schemas.microsoft.com/office/drawing/2014/main" id="{E9FA4D6E-FB49-AF46-96A1-99C42F5D1228}"/>
+                <a16:creationId xmlns:a16="http://schemas.microsoft.com/office/drawing/2014/main" xmlns="" id="{E9FA4D6E-FB49-AF46-96A1-99C42F5D1228}"/>
               </a:ext>
             </a:extLst>
           </p:cNvPr>
@@ -8037,7 +8037,7 @@
           <p:cNvPr id="6" name="TextBox 5">
             <a:extLst>
               <a:ext uri="{FF2B5EF4-FFF2-40B4-BE49-F238E27FC236}">
-                <a16:creationId xmlns:a16="http://schemas.microsoft.com/office/drawing/2014/main" id="{80FF8645-635F-C14E-BD2E-EEBC917DC90E}"/>
+                <a16:creationId xmlns:a16="http://schemas.microsoft.com/office/drawing/2014/main" xmlns="" id="{80FF8645-635F-C14E-BD2E-EEBC917DC90E}"/>
               </a:ext>
             </a:extLst>
           </p:cNvPr>
@@ -8197,7 +8197,7 @@
           <p:cNvPr id="2" name="矩形 1">
             <a:extLst>
               <a:ext uri="{FF2B5EF4-FFF2-40B4-BE49-F238E27FC236}">
-                <a16:creationId xmlns:a16="http://schemas.microsoft.com/office/drawing/2014/main" id="{84A53C23-79FC-44C5-978D-820FFF504685}"/>
+                <a16:creationId xmlns:a16="http://schemas.microsoft.com/office/drawing/2014/main" xmlns="" id="{84A53C23-79FC-44C5-978D-820FFF504685}"/>
               </a:ext>
             </a:extLst>
           </p:cNvPr>
@@ -8249,7 +8249,7 @@
           <p:cNvPr id="5" name="TextBox 4">
             <a:extLst>
               <a:ext uri="{FF2B5EF4-FFF2-40B4-BE49-F238E27FC236}">
-                <a16:creationId xmlns:a16="http://schemas.microsoft.com/office/drawing/2014/main" id="{31409547-3604-6F4C-A951-0570BEB1BCCF}"/>
+                <a16:creationId xmlns:a16="http://schemas.microsoft.com/office/drawing/2014/main" xmlns="" id="{31409547-3604-6F4C-A951-0570BEB1BCCF}"/>
               </a:ext>
             </a:extLst>
           </p:cNvPr>
@@ -8285,7 +8285,7 @@
           <p:cNvPr id="7" name="TextBox 6">
             <a:extLst>
               <a:ext uri="{FF2B5EF4-FFF2-40B4-BE49-F238E27FC236}">
-                <a16:creationId xmlns:a16="http://schemas.microsoft.com/office/drawing/2014/main" id="{B81629EE-381A-8E4B-B9CE-39F0FD631B69}"/>
+                <a16:creationId xmlns:a16="http://schemas.microsoft.com/office/drawing/2014/main" xmlns="" id="{B81629EE-381A-8E4B-B9CE-39F0FD631B69}"/>
               </a:ext>
             </a:extLst>
           </p:cNvPr>
@@ -8356,7 +8356,7 @@
           <p:cNvPr id="8" name="TextBox 7">
             <a:extLst>
               <a:ext uri="{FF2B5EF4-FFF2-40B4-BE49-F238E27FC236}">
-                <a16:creationId xmlns:a16="http://schemas.microsoft.com/office/drawing/2014/main" id="{0FE8EF7F-2A46-494D-8E16-153661EAF2DB}"/>
+                <a16:creationId xmlns:a16="http://schemas.microsoft.com/office/drawing/2014/main" xmlns="" id="{0FE8EF7F-2A46-494D-8E16-153661EAF2DB}"/>
               </a:ext>
             </a:extLst>
           </p:cNvPr>
@@ -8400,7 +8400,7 @@
           <p:cNvPr id="9" name="Picture 8">
             <a:extLst>
               <a:ext uri="{FF2B5EF4-FFF2-40B4-BE49-F238E27FC236}">
-                <a16:creationId xmlns:a16="http://schemas.microsoft.com/office/drawing/2014/main" id="{0C578A7F-8BDF-244F-A1DA-91554468E5A3}"/>
+                <a16:creationId xmlns:a16="http://schemas.microsoft.com/office/drawing/2014/main" xmlns="" id="{0C578A7F-8BDF-244F-A1DA-91554468E5A3}"/>
               </a:ext>
             </a:extLst>
           </p:cNvPr>
@@ -8430,7 +8430,7 @@
           <p:cNvPr id="10" name="TextBox 9">
             <a:extLst>
               <a:ext uri="{FF2B5EF4-FFF2-40B4-BE49-F238E27FC236}">
-                <a16:creationId xmlns:a16="http://schemas.microsoft.com/office/drawing/2014/main" id="{A9F4CE73-21A0-5944-9C89-36E2F8886740}"/>
+                <a16:creationId xmlns:a16="http://schemas.microsoft.com/office/drawing/2014/main" xmlns="" id="{A9F4CE73-21A0-5944-9C89-36E2F8886740}"/>
               </a:ext>
             </a:extLst>
           </p:cNvPr>
@@ -8498,7 +8498,7 @@
           <p:cNvPr id="2" name="矩形 1">
             <a:extLst>
               <a:ext uri="{FF2B5EF4-FFF2-40B4-BE49-F238E27FC236}">
-                <a16:creationId xmlns:a16="http://schemas.microsoft.com/office/drawing/2014/main" id="{84A53C23-79FC-44C5-978D-820FFF504685}"/>
+                <a16:creationId xmlns:a16="http://schemas.microsoft.com/office/drawing/2014/main" xmlns="" id="{84A53C23-79FC-44C5-978D-820FFF504685}"/>
               </a:ext>
             </a:extLst>
           </p:cNvPr>
@@ -8550,7 +8550,7 @@
           <p:cNvPr id="3" name="TextBox 2">
             <a:extLst>
               <a:ext uri="{FF2B5EF4-FFF2-40B4-BE49-F238E27FC236}">
-                <a16:creationId xmlns:a16="http://schemas.microsoft.com/office/drawing/2014/main" id="{E71C9B55-7888-CD47-B819-CAFA8696E723}"/>
+                <a16:creationId xmlns:a16="http://schemas.microsoft.com/office/drawing/2014/main" xmlns="" id="{E71C9B55-7888-CD47-B819-CAFA8696E723}"/>
               </a:ext>
             </a:extLst>
           </p:cNvPr>
@@ -8652,7 +8652,7 @@
           <p:cNvPr id="2" name="矩形 1">
             <a:extLst>
               <a:ext uri="{FF2B5EF4-FFF2-40B4-BE49-F238E27FC236}">
-                <a16:creationId xmlns:a16="http://schemas.microsoft.com/office/drawing/2014/main" id="{84A53C23-79FC-44C5-978D-820FFF504685}"/>
+                <a16:creationId xmlns:a16="http://schemas.microsoft.com/office/drawing/2014/main" xmlns="" id="{84A53C23-79FC-44C5-978D-820FFF504685}"/>
               </a:ext>
             </a:extLst>
           </p:cNvPr>
@@ -8693,12 +8693,20 @@
           <a:p>
             <a:pPr algn="ctr"/>
             <a:r>
-              <a:rPr lang="en-US" altLang="zh-CN" sz="4000" dirty="0"/>
+              <a:rPr lang="en-US" altLang="zh-CN" sz="4000"/>
               <a:t> </a:t>
             </a:r>
             <a:r>
-              <a:rPr lang="en-US" altLang="zh-Hans" sz="4000" dirty="0" err="1"/>
-              <a:t>Indroduction</a:t>
+              <a:rPr lang="en-US" altLang="zh-Hans" sz="4000" smtClean="0"/>
+              <a:t>In</a:t>
+            </a:r>
+            <a:r>
+              <a:rPr lang="en-US" altLang="zh-CN" sz="4000" smtClean="0"/>
+              <a:t>t</a:t>
+            </a:r>
+            <a:r>
+              <a:rPr lang="en-US" altLang="zh-Hans" sz="4000" smtClean="0"/>
+              <a:t>roduction</a:t>
             </a:r>
             <a:endParaRPr lang="zh-CN" altLang="en-US" sz="4000" dirty="0"/>
           </a:p>
@@ -8709,7 +8717,7 @@
           <p:cNvPr id="3" name="文本框 2">
             <a:extLst>
               <a:ext uri="{FF2B5EF4-FFF2-40B4-BE49-F238E27FC236}">
-                <a16:creationId xmlns:a16="http://schemas.microsoft.com/office/drawing/2014/main" id="{DC27D334-88C7-4B21-BB11-467409E59892}"/>
+                <a16:creationId xmlns:a16="http://schemas.microsoft.com/office/drawing/2014/main" xmlns="" id="{DC27D334-88C7-4B21-BB11-467409E59892}"/>
               </a:ext>
             </a:extLst>
           </p:cNvPr>
@@ -8835,7 +8843,7 @@
           <p:cNvPr id="2" name="矩形 1">
             <a:extLst>
               <a:ext uri="{FF2B5EF4-FFF2-40B4-BE49-F238E27FC236}">
-                <a16:creationId xmlns:a16="http://schemas.microsoft.com/office/drawing/2014/main" id="{84A53C23-79FC-44C5-978D-820FFF504685}"/>
+                <a16:creationId xmlns:a16="http://schemas.microsoft.com/office/drawing/2014/main" xmlns="" id="{84A53C23-79FC-44C5-978D-820FFF504685}"/>
               </a:ext>
             </a:extLst>
           </p:cNvPr>
@@ -8888,7 +8896,7 @@
           <p:cNvPr id="3" name="文本框 2">
             <a:extLst>
               <a:ext uri="{FF2B5EF4-FFF2-40B4-BE49-F238E27FC236}">
-                <a16:creationId xmlns:a16="http://schemas.microsoft.com/office/drawing/2014/main" id="{DC27D334-88C7-4B21-BB11-467409E59892}"/>
+                <a16:creationId xmlns:a16="http://schemas.microsoft.com/office/drawing/2014/main" xmlns="" id="{DC27D334-88C7-4B21-BB11-467409E59892}"/>
               </a:ext>
             </a:extLst>
           </p:cNvPr>
@@ -9045,7 +9053,7 @@
           <p:cNvPr id="2" name="矩形 1">
             <a:extLst>
               <a:ext uri="{FF2B5EF4-FFF2-40B4-BE49-F238E27FC236}">
-                <a16:creationId xmlns:a16="http://schemas.microsoft.com/office/drawing/2014/main" id="{84A53C23-79FC-44C5-978D-820FFF504685}"/>
+                <a16:creationId xmlns:a16="http://schemas.microsoft.com/office/drawing/2014/main" xmlns="" id="{84A53C23-79FC-44C5-978D-820FFF504685}"/>
               </a:ext>
             </a:extLst>
           </p:cNvPr>
@@ -9097,7 +9105,7 @@
           <p:cNvPr id="4" name="TextBox 3">
             <a:extLst>
               <a:ext uri="{FF2B5EF4-FFF2-40B4-BE49-F238E27FC236}">
-                <a16:creationId xmlns:a16="http://schemas.microsoft.com/office/drawing/2014/main" id="{D019EC1E-F6A5-154C-B2B6-CF1DE5B456B5}"/>
+                <a16:creationId xmlns:a16="http://schemas.microsoft.com/office/drawing/2014/main" xmlns="" id="{D019EC1E-F6A5-154C-B2B6-CF1DE5B456B5}"/>
               </a:ext>
             </a:extLst>
           </p:cNvPr>
@@ -9133,7 +9141,7 @@
           <p:cNvPr id="5" name="TextBox 4">
             <a:extLst>
               <a:ext uri="{FF2B5EF4-FFF2-40B4-BE49-F238E27FC236}">
-                <a16:creationId xmlns:a16="http://schemas.microsoft.com/office/drawing/2014/main" id="{31409547-3604-6F4C-A951-0570BEB1BCCF}"/>
+                <a16:creationId xmlns:a16="http://schemas.microsoft.com/office/drawing/2014/main" xmlns="" id="{31409547-3604-6F4C-A951-0570BEB1BCCF}"/>
               </a:ext>
             </a:extLst>
           </p:cNvPr>
@@ -9171,7 +9179,7 @@
               <p:cNvPr id="8" name="TextBox 7">
                 <a:extLst>
                   <a:ext uri="{FF2B5EF4-FFF2-40B4-BE49-F238E27FC236}">
-                    <a16:creationId xmlns:a16="http://schemas.microsoft.com/office/drawing/2014/main" id="{E2962A43-683F-F94A-B7B4-28DFBAFABBE2}"/>
+                    <a16:creationId xmlns:a16="http://schemas.microsoft.com/office/drawing/2014/main" xmlns="" id="{E2962A43-683F-F94A-B7B4-28DFBAFABBE2}"/>
                   </a:ext>
                 </a:extLst>
               </p:cNvPr>
@@ -9266,7 +9274,7 @@
           <p:cNvPr id="9" name="TextBox 8">
             <a:extLst>
               <a:ext uri="{FF2B5EF4-FFF2-40B4-BE49-F238E27FC236}">
-                <a16:creationId xmlns:a16="http://schemas.microsoft.com/office/drawing/2014/main" id="{D5F2709C-0C97-0845-BFBF-2E36518135AC}"/>
+                <a16:creationId xmlns:a16="http://schemas.microsoft.com/office/drawing/2014/main" xmlns="" id="{D5F2709C-0C97-0845-BFBF-2E36518135AC}"/>
               </a:ext>
             </a:extLst>
           </p:cNvPr>
@@ -9302,7 +9310,7 @@
           <p:cNvPr id="10" name="TextBox 9">
             <a:extLst>
               <a:ext uri="{FF2B5EF4-FFF2-40B4-BE49-F238E27FC236}">
-                <a16:creationId xmlns:a16="http://schemas.microsoft.com/office/drawing/2014/main" id="{A7859955-429B-D74A-8A68-C92A64773783}"/>
+                <a16:creationId xmlns:a16="http://schemas.microsoft.com/office/drawing/2014/main" xmlns="" id="{A7859955-429B-D74A-8A68-C92A64773783}"/>
               </a:ext>
             </a:extLst>
           </p:cNvPr>
@@ -9344,7 +9352,7 @@
           <p:cNvPr id="11" name="TextBox 10">
             <a:extLst>
               <a:ext uri="{FF2B5EF4-FFF2-40B4-BE49-F238E27FC236}">
-                <a16:creationId xmlns:a16="http://schemas.microsoft.com/office/drawing/2014/main" id="{3D622CE7-A74C-8E4F-A085-75B028E7A876}"/>
+                <a16:creationId xmlns:a16="http://schemas.microsoft.com/office/drawing/2014/main" xmlns="" id="{3D622CE7-A74C-8E4F-A085-75B028E7A876}"/>
               </a:ext>
             </a:extLst>
           </p:cNvPr>
@@ -9380,7 +9388,7 @@
           <p:cNvPr id="12" name="TextBox 11">
             <a:extLst>
               <a:ext uri="{FF2B5EF4-FFF2-40B4-BE49-F238E27FC236}">
-                <a16:creationId xmlns:a16="http://schemas.microsoft.com/office/drawing/2014/main" id="{E5888B84-3376-6C40-AF69-21B30CC05596}"/>
+                <a16:creationId xmlns:a16="http://schemas.microsoft.com/office/drawing/2014/main" xmlns="" id="{E5888B84-3376-6C40-AF69-21B30CC05596}"/>
               </a:ext>
             </a:extLst>
           </p:cNvPr>
@@ -9422,7 +9430,7 @@
           <p:cNvPr id="13" name="TextBox 12">
             <a:extLst>
               <a:ext uri="{FF2B5EF4-FFF2-40B4-BE49-F238E27FC236}">
-                <a16:creationId xmlns:a16="http://schemas.microsoft.com/office/drawing/2014/main" id="{76AB22C9-E155-3448-AECD-9BA32A5A505E}"/>
+                <a16:creationId xmlns:a16="http://schemas.microsoft.com/office/drawing/2014/main" xmlns="" id="{76AB22C9-E155-3448-AECD-9BA32A5A505E}"/>
               </a:ext>
             </a:extLst>
           </p:cNvPr>
@@ -9458,7 +9466,7 @@
           <p:cNvPr id="14" name="TextBox 13">
             <a:extLst>
               <a:ext uri="{FF2B5EF4-FFF2-40B4-BE49-F238E27FC236}">
-                <a16:creationId xmlns:a16="http://schemas.microsoft.com/office/drawing/2014/main" id="{31EA7F80-F419-034E-A60F-E4504DB50B22}"/>
+                <a16:creationId xmlns:a16="http://schemas.microsoft.com/office/drawing/2014/main" xmlns="" id="{31EA7F80-F419-034E-A60F-E4504DB50B22}"/>
               </a:ext>
             </a:extLst>
           </p:cNvPr>
@@ -9500,7 +9508,7 @@
           <p:cNvPr id="15" name="TextBox 14">
             <a:extLst>
               <a:ext uri="{FF2B5EF4-FFF2-40B4-BE49-F238E27FC236}">
-                <a16:creationId xmlns:a16="http://schemas.microsoft.com/office/drawing/2014/main" id="{40D712BE-59B6-FF4A-B723-4F11085F50D3}"/>
+                <a16:creationId xmlns:a16="http://schemas.microsoft.com/office/drawing/2014/main" xmlns="" id="{40D712BE-59B6-FF4A-B723-4F11085F50D3}"/>
               </a:ext>
             </a:extLst>
           </p:cNvPr>
@@ -9536,7 +9544,7 @@
           <p:cNvPr id="16" name="TextBox 15">
             <a:extLst>
               <a:ext uri="{FF2B5EF4-FFF2-40B4-BE49-F238E27FC236}">
-                <a16:creationId xmlns:a16="http://schemas.microsoft.com/office/drawing/2014/main" id="{FAE8D452-1A3D-AD4A-92A8-8CF7943F8342}"/>
+                <a16:creationId xmlns:a16="http://schemas.microsoft.com/office/drawing/2014/main" xmlns="" id="{FAE8D452-1A3D-AD4A-92A8-8CF7943F8342}"/>
               </a:ext>
             </a:extLst>
           </p:cNvPr>
@@ -9576,7 +9584,7 @@
           <p:cNvPr id="17" name="Rectangle 16">
             <a:extLst>
               <a:ext uri="{FF2B5EF4-FFF2-40B4-BE49-F238E27FC236}">
-                <a16:creationId xmlns:a16="http://schemas.microsoft.com/office/drawing/2014/main" id="{CA56DEDC-7EDA-0E43-B15C-147629FF0757}"/>
+                <a16:creationId xmlns:a16="http://schemas.microsoft.com/office/drawing/2014/main" xmlns="" id="{CA56DEDC-7EDA-0E43-B15C-147629FF0757}"/>
               </a:ext>
             </a:extLst>
           </p:cNvPr>
@@ -9649,7 +9657,7 @@
           <p:cNvPr id="2" name="矩形 1">
             <a:extLst>
               <a:ext uri="{FF2B5EF4-FFF2-40B4-BE49-F238E27FC236}">
-                <a16:creationId xmlns:a16="http://schemas.microsoft.com/office/drawing/2014/main" id="{84A53C23-79FC-44C5-978D-820FFF504685}"/>
+                <a16:creationId xmlns:a16="http://schemas.microsoft.com/office/drawing/2014/main" xmlns="" id="{84A53C23-79FC-44C5-978D-820FFF504685}"/>
               </a:ext>
             </a:extLst>
           </p:cNvPr>
@@ -9701,7 +9709,7 @@
           <p:cNvPr id="4" name="TextBox 3">
             <a:extLst>
               <a:ext uri="{FF2B5EF4-FFF2-40B4-BE49-F238E27FC236}">
-                <a16:creationId xmlns:a16="http://schemas.microsoft.com/office/drawing/2014/main" id="{D019EC1E-F6A5-154C-B2B6-CF1DE5B456B5}"/>
+                <a16:creationId xmlns:a16="http://schemas.microsoft.com/office/drawing/2014/main" xmlns="" id="{D019EC1E-F6A5-154C-B2B6-CF1DE5B456B5}"/>
               </a:ext>
             </a:extLst>
           </p:cNvPr>
@@ -9737,7 +9745,7 @@
           <p:cNvPr id="5" name="TextBox 4">
             <a:extLst>
               <a:ext uri="{FF2B5EF4-FFF2-40B4-BE49-F238E27FC236}">
-                <a16:creationId xmlns:a16="http://schemas.microsoft.com/office/drawing/2014/main" id="{31409547-3604-6F4C-A951-0570BEB1BCCF}"/>
+                <a16:creationId xmlns:a16="http://schemas.microsoft.com/office/drawing/2014/main" xmlns="" id="{31409547-3604-6F4C-A951-0570BEB1BCCF}"/>
               </a:ext>
             </a:extLst>
           </p:cNvPr>
@@ -9773,7 +9781,7 @@
           <p:cNvPr id="3" name="TextBox 2">
             <a:extLst>
               <a:ext uri="{FF2B5EF4-FFF2-40B4-BE49-F238E27FC236}">
-                <a16:creationId xmlns:a16="http://schemas.microsoft.com/office/drawing/2014/main" id="{22EFD3DB-3CC6-6D4E-8231-B0664479DC36}"/>
+                <a16:creationId xmlns:a16="http://schemas.microsoft.com/office/drawing/2014/main" xmlns="" id="{22EFD3DB-3CC6-6D4E-8231-B0664479DC36}"/>
               </a:ext>
             </a:extLst>
           </p:cNvPr>
@@ -9888,7 +9896,7 @@
           <p:cNvPr id="2" name="矩形 1">
             <a:extLst>
               <a:ext uri="{FF2B5EF4-FFF2-40B4-BE49-F238E27FC236}">
-                <a16:creationId xmlns:a16="http://schemas.microsoft.com/office/drawing/2014/main" id="{84A53C23-79FC-44C5-978D-820FFF504685}"/>
+                <a16:creationId xmlns:a16="http://schemas.microsoft.com/office/drawing/2014/main" xmlns="" id="{84A53C23-79FC-44C5-978D-820FFF504685}"/>
               </a:ext>
             </a:extLst>
           </p:cNvPr>
@@ -9940,7 +9948,7 @@
           <p:cNvPr id="4" name="TextBox 3">
             <a:extLst>
               <a:ext uri="{FF2B5EF4-FFF2-40B4-BE49-F238E27FC236}">
-                <a16:creationId xmlns:a16="http://schemas.microsoft.com/office/drawing/2014/main" id="{D019EC1E-F6A5-154C-B2B6-CF1DE5B456B5}"/>
+                <a16:creationId xmlns:a16="http://schemas.microsoft.com/office/drawing/2014/main" xmlns="" id="{D019EC1E-F6A5-154C-B2B6-CF1DE5B456B5}"/>
               </a:ext>
             </a:extLst>
           </p:cNvPr>
@@ -9976,7 +9984,7 @@
           <p:cNvPr id="5" name="TextBox 4">
             <a:extLst>
               <a:ext uri="{FF2B5EF4-FFF2-40B4-BE49-F238E27FC236}">
-                <a16:creationId xmlns:a16="http://schemas.microsoft.com/office/drawing/2014/main" id="{31409547-3604-6F4C-A951-0570BEB1BCCF}"/>
+                <a16:creationId xmlns:a16="http://schemas.microsoft.com/office/drawing/2014/main" xmlns="" id="{31409547-3604-6F4C-A951-0570BEB1BCCF}"/>
               </a:ext>
             </a:extLst>
           </p:cNvPr>
@@ -10012,7 +10020,7 @@
           <p:cNvPr id="3" name="TextBox 2">
             <a:extLst>
               <a:ext uri="{FF2B5EF4-FFF2-40B4-BE49-F238E27FC236}">
-                <a16:creationId xmlns:a16="http://schemas.microsoft.com/office/drawing/2014/main" id="{22EFD3DB-3CC6-6D4E-8231-B0664479DC36}"/>
+                <a16:creationId xmlns:a16="http://schemas.microsoft.com/office/drawing/2014/main" xmlns="" id="{22EFD3DB-3CC6-6D4E-8231-B0664479DC36}"/>
               </a:ext>
             </a:extLst>
           </p:cNvPr>
@@ -10127,7 +10135,7 @@
           <p:cNvPr id="2" name="矩形 1">
             <a:extLst>
               <a:ext uri="{FF2B5EF4-FFF2-40B4-BE49-F238E27FC236}">
-                <a16:creationId xmlns:a16="http://schemas.microsoft.com/office/drawing/2014/main" id="{84A53C23-79FC-44C5-978D-820FFF504685}"/>
+                <a16:creationId xmlns:a16="http://schemas.microsoft.com/office/drawing/2014/main" xmlns="" id="{84A53C23-79FC-44C5-978D-820FFF504685}"/>
               </a:ext>
             </a:extLst>
           </p:cNvPr>
@@ -10179,7 +10187,7 @@
           <p:cNvPr id="5" name="TextBox 4">
             <a:extLst>
               <a:ext uri="{FF2B5EF4-FFF2-40B4-BE49-F238E27FC236}">
-                <a16:creationId xmlns:a16="http://schemas.microsoft.com/office/drawing/2014/main" id="{31409547-3604-6F4C-A951-0570BEB1BCCF}"/>
+                <a16:creationId xmlns:a16="http://schemas.microsoft.com/office/drawing/2014/main" xmlns="" id="{31409547-3604-6F4C-A951-0570BEB1BCCF}"/>
               </a:ext>
             </a:extLst>
           </p:cNvPr>
@@ -10215,7 +10223,7 @@
           <p:cNvPr id="6" name="TextBox 5">
             <a:extLst>
               <a:ext uri="{FF2B5EF4-FFF2-40B4-BE49-F238E27FC236}">
-                <a16:creationId xmlns:a16="http://schemas.microsoft.com/office/drawing/2014/main" id="{32782DBE-0A14-5546-9074-80FF61ACB686}"/>
+                <a16:creationId xmlns:a16="http://schemas.microsoft.com/office/drawing/2014/main" xmlns="" id="{32782DBE-0A14-5546-9074-80FF61ACB686}"/>
               </a:ext>
             </a:extLst>
           </p:cNvPr>
@@ -10257,7 +10265,7 @@
           <p:cNvPr id="7" name="TextBox 6">
             <a:extLst>
               <a:ext uri="{FF2B5EF4-FFF2-40B4-BE49-F238E27FC236}">
-                <a16:creationId xmlns:a16="http://schemas.microsoft.com/office/drawing/2014/main" id="{2FC451D1-7904-2D46-B925-832F087AA7EB}"/>
+                <a16:creationId xmlns:a16="http://schemas.microsoft.com/office/drawing/2014/main" xmlns="" id="{2FC451D1-7904-2D46-B925-832F087AA7EB}"/>
               </a:ext>
             </a:extLst>
           </p:cNvPr>
@@ -10320,7 +10328,7 @@
           <p:cNvPr id="8" name="TextBox 7">
             <a:extLst>
               <a:ext uri="{FF2B5EF4-FFF2-40B4-BE49-F238E27FC236}">
-                <a16:creationId xmlns:a16="http://schemas.microsoft.com/office/drawing/2014/main" id="{54AF563C-A329-3D4C-9F5C-EDFF7FF8675F}"/>
+                <a16:creationId xmlns:a16="http://schemas.microsoft.com/office/drawing/2014/main" xmlns="" id="{54AF563C-A329-3D4C-9F5C-EDFF7FF8675F}"/>
               </a:ext>
             </a:extLst>
           </p:cNvPr>
@@ -10364,7 +10372,7 @@
           <p:cNvPr id="10" name="Straight Arrow Connector 9">
             <a:extLst>
               <a:ext uri="{FF2B5EF4-FFF2-40B4-BE49-F238E27FC236}">
-                <a16:creationId xmlns:a16="http://schemas.microsoft.com/office/drawing/2014/main" id="{9F88DA89-59C1-D041-8521-5B3E75ADB384}"/>
+                <a16:creationId xmlns:a16="http://schemas.microsoft.com/office/drawing/2014/main" xmlns="" id="{9F88DA89-59C1-D041-8521-5B3E75ADB384}"/>
               </a:ext>
             </a:extLst>
           </p:cNvPr>
@@ -10403,7 +10411,7 @@
           <p:cNvPr id="11" name="TextBox 10">
             <a:extLst>
               <a:ext uri="{FF2B5EF4-FFF2-40B4-BE49-F238E27FC236}">
-                <a16:creationId xmlns:a16="http://schemas.microsoft.com/office/drawing/2014/main" id="{3DB60F89-99A5-FD43-83EE-A050C84BD659}"/>
+                <a16:creationId xmlns:a16="http://schemas.microsoft.com/office/drawing/2014/main" xmlns="" id="{3DB60F89-99A5-FD43-83EE-A050C84BD659}"/>
               </a:ext>
             </a:extLst>
           </p:cNvPr>
@@ -10443,7 +10451,7 @@
           <p:cNvPr id="12" name="Straight Arrow Connector 11">
             <a:extLst>
               <a:ext uri="{FF2B5EF4-FFF2-40B4-BE49-F238E27FC236}">
-                <a16:creationId xmlns:a16="http://schemas.microsoft.com/office/drawing/2014/main" id="{554B617F-A365-5E4D-9AC5-F53F00CFC6A1}"/>
+                <a16:creationId xmlns:a16="http://schemas.microsoft.com/office/drawing/2014/main" xmlns="" id="{554B617F-A365-5E4D-9AC5-F53F00CFC6A1}"/>
               </a:ext>
             </a:extLst>
           </p:cNvPr>
@@ -10512,7 +10520,7 @@
           <p:cNvPr id="2" name="矩形 1">
             <a:extLst>
               <a:ext uri="{FF2B5EF4-FFF2-40B4-BE49-F238E27FC236}">
-                <a16:creationId xmlns:a16="http://schemas.microsoft.com/office/drawing/2014/main" id="{84A53C23-79FC-44C5-978D-820FFF504685}"/>
+                <a16:creationId xmlns:a16="http://schemas.microsoft.com/office/drawing/2014/main" xmlns="" id="{84A53C23-79FC-44C5-978D-820FFF504685}"/>
               </a:ext>
             </a:extLst>
           </p:cNvPr>
@@ -10564,7 +10572,7 @@
           <p:cNvPr id="5" name="TextBox 4">
             <a:extLst>
               <a:ext uri="{FF2B5EF4-FFF2-40B4-BE49-F238E27FC236}">
-                <a16:creationId xmlns:a16="http://schemas.microsoft.com/office/drawing/2014/main" id="{31409547-3604-6F4C-A951-0570BEB1BCCF}"/>
+                <a16:creationId xmlns:a16="http://schemas.microsoft.com/office/drawing/2014/main" xmlns="" id="{31409547-3604-6F4C-A951-0570BEB1BCCF}"/>
               </a:ext>
             </a:extLst>
           </p:cNvPr>
@@ -10600,7 +10608,7 @@
           <p:cNvPr id="3" name="TextBox 2">
             <a:extLst>
               <a:ext uri="{FF2B5EF4-FFF2-40B4-BE49-F238E27FC236}">
-                <a16:creationId xmlns:a16="http://schemas.microsoft.com/office/drawing/2014/main" id="{A3146E60-8788-E14B-86B4-B3C2CEABF914}"/>
+                <a16:creationId xmlns:a16="http://schemas.microsoft.com/office/drawing/2014/main" xmlns="" id="{A3146E60-8788-E14B-86B4-B3C2CEABF914}"/>
               </a:ext>
             </a:extLst>
           </p:cNvPr>
@@ -10635,7 +10643,7 @@
           <p:cNvPr id="4" name="TextBox 3">
             <a:extLst>
               <a:ext uri="{FF2B5EF4-FFF2-40B4-BE49-F238E27FC236}">
-                <a16:creationId xmlns:a16="http://schemas.microsoft.com/office/drawing/2014/main" id="{0CB43D5E-AD4D-594C-85D7-B4DF82E0021F}"/>
+                <a16:creationId xmlns:a16="http://schemas.microsoft.com/office/drawing/2014/main" xmlns="" id="{0CB43D5E-AD4D-594C-85D7-B4DF82E0021F}"/>
               </a:ext>
             </a:extLst>
           </p:cNvPr>
@@ -10732,7 +10740,7 @@
           <p:cNvPr id="9" name="TextBox 8">
             <a:extLst>
               <a:ext uri="{FF2B5EF4-FFF2-40B4-BE49-F238E27FC236}">
-                <a16:creationId xmlns:a16="http://schemas.microsoft.com/office/drawing/2014/main" id="{243B4CEA-F36B-4540-B527-75F05FAF78F3}"/>
+                <a16:creationId xmlns:a16="http://schemas.microsoft.com/office/drawing/2014/main" xmlns="" id="{243B4CEA-F36B-4540-B527-75F05FAF78F3}"/>
               </a:ext>
             </a:extLst>
           </p:cNvPr>
@@ -10774,7 +10782,7 @@
               <p:cNvPr id="13" name="TextBox 12">
                 <a:extLst>
                   <a:ext uri="{FF2B5EF4-FFF2-40B4-BE49-F238E27FC236}">
-                    <a16:creationId xmlns:a16="http://schemas.microsoft.com/office/drawing/2014/main" id="{56965524-72C2-424B-85C5-B458BBB1D968}"/>
+                    <a16:creationId xmlns:a16="http://schemas.microsoft.com/office/drawing/2014/main" xmlns="" id="{56965524-72C2-424B-85C5-B458BBB1D968}"/>
                   </a:ext>
                 </a:extLst>
               </p:cNvPr>
@@ -10869,7 +10877,7 @@
           <p:cNvPr id="15" name="Straight Arrow Connector 14">
             <a:extLst>
               <a:ext uri="{FF2B5EF4-FFF2-40B4-BE49-F238E27FC236}">
-                <a16:creationId xmlns:a16="http://schemas.microsoft.com/office/drawing/2014/main" id="{98D5EA5C-71BC-CB4D-B8DE-B85EE2BBB4B4}"/>
+                <a16:creationId xmlns:a16="http://schemas.microsoft.com/office/drawing/2014/main" xmlns="" id="{98D5EA5C-71BC-CB4D-B8DE-B85EE2BBB4B4}"/>
               </a:ext>
             </a:extLst>
           </p:cNvPr>
@@ -10908,7 +10916,7 @@
           <p:cNvPr id="16" name="TextBox 15">
             <a:extLst>
               <a:ext uri="{FF2B5EF4-FFF2-40B4-BE49-F238E27FC236}">
-                <a16:creationId xmlns:a16="http://schemas.microsoft.com/office/drawing/2014/main" id="{CC08AF6A-8126-BB4C-8505-64A735B1D086}"/>
+                <a16:creationId xmlns:a16="http://schemas.microsoft.com/office/drawing/2014/main" xmlns="" id="{CC08AF6A-8126-BB4C-8505-64A735B1D086}"/>
               </a:ext>
             </a:extLst>
           </p:cNvPr>
@@ -10960,7 +10968,7 @@
           <p:cNvPr id="17" name="TextBox 16">
             <a:extLst>
               <a:ext uri="{FF2B5EF4-FFF2-40B4-BE49-F238E27FC236}">
-                <a16:creationId xmlns:a16="http://schemas.microsoft.com/office/drawing/2014/main" id="{DF3A9E49-AE72-084B-9E5C-B89949B41CAE}"/>
+                <a16:creationId xmlns:a16="http://schemas.microsoft.com/office/drawing/2014/main" xmlns="" id="{DF3A9E49-AE72-084B-9E5C-B89949B41CAE}"/>
               </a:ext>
             </a:extLst>
           </p:cNvPr>
@@ -11071,7 +11079,7 @@
           <p:cNvPr id="18" name="TextBox 17">
             <a:extLst>
               <a:ext uri="{FF2B5EF4-FFF2-40B4-BE49-F238E27FC236}">
-                <a16:creationId xmlns:a16="http://schemas.microsoft.com/office/drawing/2014/main" id="{FD69A67D-A800-2445-99BF-7E4DA3418676}"/>
+                <a16:creationId xmlns:a16="http://schemas.microsoft.com/office/drawing/2014/main" xmlns="" id="{FD69A67D-A800-2445-99BF-7E4DA3418676}"/>
               </a:ext>
             </a:extLst>
           </p:cNvPr>
@@ -11113,7 +11121,7 @@
           <p:cNvPr id="20" name="Straight Arrow Connector 19">
             <a:extLst>
               <a:ext uri="{FF2B5EF4-FFF2-40B4-BE49-F238E27FC236}">
-                <a16:creationId xmlns:a16="http://schemas.microsoft.com/office/drawing/2014/main" id="{0B270030-F53A-B241-A04D-340E7713A009}"/>
+                <a16:creationId xmlns:a16="http://schemas.microsoft.com/office/drawing/2014/main" xmlns="" id="{0B270030-F53A-B241-A04D-340E7713A009}"/>
               </a:ext>
             </a:extLst>
           </p:cNvPr>
@@ -11154,7 +11162,7 @@
           <p:cNvPr id="21" name="Rectangle 20">
             <a:extLst>
               <a:ext uri="{FF2B5EF4-FFF2-40B4-BE49-F238E27FC236}">
-                <a16:creationId xmlns:a16="http://schemas.microsoft.com/office/drawing/2014/main" id="{6A1CA367-8393-5148-9690-A7FD6D11B60A}"/>
+                <a16:creationId xmlns:a16="http://schemas.microsoft.com/office/drawing/2014/main" xmlns="" id="{6A1CA367-8393-5148-9690-A7FD6D11B60A}"/>
               </a:ext>
             </a:extLst>
           </p:cNvPr>
@@ -11202,7 +11210,7 @@
           <p:cNvPr id="22" name="TextBox 21">
             <a:extLst>
               <a:ext uri="{FF2B5EF4-FFF2-40B4-BE49-F238E27FC236}">
-                <a16:creationId xmlns:a16="http://schemas.microsoft.com/office/drawing/2014/main" id="{2772B70D-40CB-5641-9B15-F26D4EF842B1}"/>
+                <a16:creationId xmlns:a16="http://schemas.microsoft.com/office/drawing/2014/main" xmlns="" id="{2772B70D-40CB-5641-9B15-F26D4EF842B1}"/>
               </a:ext>
             </a:extLst>
           </p:cNvPr>
@@ -11240,7 +11248,7 @@
           <p:cNvPr id="23" name="TextBox 22">
             <a:extLst>
               <a:ext uri="{FF2B5EF4-FFF2-40B4-BE49-F238E27FC236}">
-                <a16:creationId xmlns:a16="http://schemas.microsoft.com/office/drawing/2014/main" id="{D23A2AD7-B000-B941-A0BA-BC7154E4E31D}"/>
+                <a16:creationId xmlns:a16="http://schemas.microsoft.com/office/drawing/2014/main" xmlns="" id="{D23A2AD7-B000-B941-A0BA-BC7154E4E31D}"/>
               </a:ext>
             </a:extLst>
           </p:cNvPr>
@@ -11306,7 +11314,7 @@
           <p:cNvPr id="2" name="矩形 1">
             <a:extLst>
               <a:ext uri="{FF2B5EF4-FFF2-40B4-BE49-F238E27FC236}">
-                <a16:creationId xmlns:a16="http://schemas.microsoft.com/office/drawing/2014/main" id="{84A53C23-79FC-44C5-978D-820FFF504685}"/>
+                <a16:creationId xmlns:a16="http://schemas.microsoft.com/office/drawing/2014/main" xmlns="" id="{84A53C23-79FC-44C5-978D-820FFF504685}"/>
               </a:ext>
             </a:extLst>
           </p:cNvPr>
@@ -11358,7 +11366,7 @@
           <p:cNvPr id="5" name="TextBox 4">
             <a:extLst>
               <a:ext uri="{FF2B5EF4-FFF2-40B4-BE49-F238E27FC236}">
-                <a16:creationId xmlns:a16="http://schemas.microsoft.com/office/drawing/2014/main" id="{31409547-3604-6F4C-A951-0570BEB1BCCF}"/>
+                <a16:creationId xmlns:a16="http://schemas.microsoft.com/office/drawing/2014/main" xmlns="" id="{31409547-3604-6F4C-A951-0570BEB1BCCF}"/>
               </a:ext>
             </a:extLst>
           </p:cNvPr>
@@ -11394,7 +11402,7 @@
           <p:cNvPr id="6" name="Picture 5">
             <a:extLst>
               <a:ext uri="{FF2B5EF4-FFF2-40B4-BE49-F238E27FC236}">
-                <a16:creationId xmlns:a16="http://schemas.microsoft.com/office/drawing/2014/main" id="{02ECDEB4-1BB7-5D43-855E-B2E44792C876}"/>
+                <a16:creationId xmlns:a16="http://schemas.microsoft.com/office/drawing/2014/main" xmlns="" id="{02ECDEB4-1BB7-5D43-855E-B2E44792C876}"/>
               </a:ext>
             </a:extLst>
           </p:cNvPr>
@@ -11424,7 +11432,7 @@
           <p:cNvPr id="7" name="TextBox 6">
             <a:extLst>
               <a:ext uri="{FF2B5EF4-FFF2-40B4-BE49-F238E27FC236}">
-                <a16:creationId xmlns:a16="http://schemas.microsoft.com/office/drawing/2014/main" id="{E6277948-608D-3248-9C9E-F522C441E192}"/>
+                <a16:creationId xmlns:a16="http://schemas.microsoft.com/office/drawing/2014/main" xmlns="" id="{E6277948-608D-3248-9C9E-F522C441E192}"/>
               </a:ext>
             </a:extLst>
           </p:cNvPr>
@@ -11482,7 +11490,7 @@
           <p:cNvPr id="8" name="TextBox 7">
             <a:extLst>
               <a:ext uri="{FF2B5EF4-FFF2-40B4-BE49-F238E27FC236}">
-                <a16:creationId xmlns:a16="http://schemas.microsoft.com/office/drawing/2014/main" id="{A3CC2FD6-DD7B-7742-845F-7E783FFDC69C}"/>
+                <a16:creationId xmlns:a16="http://schemas.microsoft.com/office/drawing/2014/main" xmlns="" id="{A3CC2FD6-DD7B-7742-845F-7E783FFDC69C}"/>
               </a:ext>
             </a:extLst>
           </p:cNvPr>
